--- a/lectures/src/SDK-data-movement.pptx
+++ b/lectures/src/SDK-data-movement.pptx
@@ -5,10 +5,10 @@
     <p:sldMasterId id="2147483660" r:id="rId1"/>
   </p:sldMasterIdLst>
   <p:notesMasterIdLst>
-    <p:notesMasterId r:id="rId16"/>
+    <p:notesMasterId r:id="rId18"/>
   </p:notesMasterIdLst>
   <p:handoutMasterIdLst>
-    <p:handoutMasterId r:id="rId17"/>
+    <p:handoutMasterId r:id="rId19"/>
   </p:handoutMasterIdLst>
   <p:sldIdLst>
     <p:sldId id="286" r:id="rId2"/>
@@ -20,11 +20,13 @@
     <p:sldId id="288" r:id="rId8"/>
     <p:sldId id="290" r:id="rId9"/>
     <p:sldId id="297" r:id="rId10"/>
-    <p:sldId id="298" r:id="rId11"/>
-    <p:sldId id="299" r:id="rId12"/>
-    <p:sldId id="300" r:id="rId13"/>
-    <p:sldId id="302" r:id="rId14"/>
-    <p:sldId id="301" r:id="rId15"/>
+    <p:sldId id="304" r:id="rId11"/>
+    <p:sldId id="298" r:id="rId12"/>
+    <p:sldId id="299" r:id="rId13"/>
+    <p:sldId id="300" r:id="rId14"/>
+    <p:sldId id="302" r:id="rId15"/>
+    <p:sldId id="303" r:id="rId16"/>
+    <p:sldId id="301" r:id="rId17"/>
   </p:sldIdLst>
   <p:sldSz cx="12192000" cy="6858000"/>
   <p:notesSz cx="6858000" cy="9144000"/>
@@ -148,7 +150,7 @@
 <file path=ppt/revisionInfo.xml><?xml version="1.0" encoding="utf-8"?>
 <p1510:revInfo xmlns:a="http://schemas.openxmlformats.org/drawingml/2006/main" xmlns:r="http://schemas.openxmlformats.org/officeDocument/2006/relationships" xmlns:p1510="http://schemas.microsoft.com/office/powerpoint/2015/10/main">
   <p1510:revLst>
-    <p1510:client id="{94F2D97F-1E38-4509-B72E-D0FAB0EED150}" v="76" dt="2025-04-18T17:32:17.068"/>
+    <p1510:client id="{FB44F291-93BD-48D4-956C-48A69A1478EC}" v="9" dt="2025-09-01T21:54:33.744"/>
   </p1510:revLst>
 </p1510:revInfo>
 </file>
@@ -210,7 +212,7 @@
           <a:p>
             <a:fld id="{237A3326-6BE8-4DE2-A526-66D6DC5DC342}" type="datetimeFigureOut">
               <a:rPr lang="en-GB" smtClean="0"/>
-              <a:t>18/04/2025</a:t>
+              <a:t>01/09/2025</a:t>
             </a:fld>
             <a:endParaRPr lang="en-GB"/>
           </a:p>
@@ -387,7 +389,7 @@
           <a:p>
             <a:fld id="{198E9702-0021-4473-93B9-41638846F4C4}" type="datetimeFigureOut">
               <a:rPr lang="en-GB" smtClean="0"/>
-              <a:t>18/04/2025</a:t>
+              <a:t>01/09/2025</a:t>
             </a:fld>
             <a:endParaRPr lang="en-GB"/>
           </a:p>
@@ -739,6 +741,90 @@
 </p:notes>
 </file>
 
+<file path=ppt/notesSlides/notesSlide2.xml><?xml version="1.0" encoding="utf-8"?>
+<p:notes xmlns:a="http://schemas.openxmlformats.org/drawingml/2006/main" xmlns:r="http://schemas.openxmlformats.org/officeDocument/2006/relationships" xmlns:p="http://schemas.openxmlformats.org/presentationml/2006/main">
+  <p:cSld>
+    <p:spTree>
+      <p:nvGrpSpPr>
+        <p:cNvPr id="1" name=""/>
+        <p:cNvGrpSpPr/>
+        <p:nvPr/>
+      </p:nvGrpSpPr>
+      <p:grpSpPr>
+        <a:xfrm>
+          <a:off x="0" y="0"/>
+          <a:ext cx="0" cy="0"/>
+          <a:chOff x="0" y="0"/>
+          <a:chExt cx="0" cy="0"/>
+        </a:xfrm>
+      </p:grpSpPr>
+      <p:sp>
+        <p:nvSpPr>
+          <p:cNvPr id="2" name="Slide Image Placeholder 1"/>
+          <p:cNvSpPr>
+            <a:spLocks noGrp="1" noRot="1" noChangeAspect="1"/>
+          </p:cNvSpPr>
+          <p:nvPr>
+            <p:ph type="sldImg"/>
+          </p:nvPr>
+        </p:nvSpPr>
+        <p:spPr/>
+      </p:sp>
+      <p:sp>
+        <p:nvSpPr>
+          <p:cNvPr id="3" name="Notes Placeholder 2"/>
+          <p:cNvSpPr>
+            <a:spLocks noGrp="1"/>
+          </p:cNvSpPr>
+          <p:nvPr>
+            <p:ph type="body" idx="1"/>
+          </p:nvPr>
+        </p:nvSpPr>
+        <p:spPr/>
+        <p:txBody>
+          <a:bodyPr/>
+          <a:lstStyle/>
+          <a:p>
+            <a:endParaRPr lang="en-GB" dirty="0"/>
+          </a:p>
+        </p:txBody>
+      </p:sp>
+      <p:sp>
+        <p:nvSpPr>
+          <p:cNvPr id="4" name="Slide Number Placeholder 3"/>
+          <p:cNvSpPr>
+            <a:spLocks noGrp="1"/>
+          </p:cNvSpPr>
+          <p:nvPr>
+            <p:ph type="sldNum" sz="quarter" idx="5"/>
+          </p:nvPr>
+        </p:nvSpPr>
+        <p:spPr/>
+        <p:txBody>
+          <a:bodyPr/>
+          <a:lstStyle/>
+          <a:p>
+            <a:fld id="{99A962A9-E496-4035-9CF6-BB737F875FB5}" type="slidenum">
+              <a:rPr lang="en-GB" smtClean="0"/>
+              <a:t>15</a:t>
+            </a:fld>
+            <a:endParaRPr lang="en-GB"/>
+          </a:p>
+        </p:txBody>
+      </p:sp>
+    </p:spTree>
+    <p:extLst>
+      <p:ext uri="{BB962C8B-B14F-4D97-AF65-F5344CB8AC3E}">
+        <p14:creationId xmlns:p14="http://schemas.microsoft.com/office/powerpoint/2010/main" val="2261436198"/>
+      </p:ext>
+    </p:extLst>
+  </p:cSld>
+  <p:clrMapOvr>
+    <a:masterClrMapping/>
+  </p:clrMapOvr>
+</p:notes>
+</file>
+
 <file path=ppt/slideLayouts/slideLayout1.xml><?xml version="1.0" encoding="utf-8"?>
 <p:sldLayout xmlns:a="http://schemas.openxmlformats.org/drawingml/2006/main" xmlns:r="http://schemas.openxmlformats.org/officeDocument/2006/relationships" xmlns:p="http://schemas.openxmlformats.org/presentationml/2006/main" preserve="1" userDrawn="1">
   <p:cSld name="Title Slide">
@@ -899,7 +985,7 @@
           <a:p>
             <a:fld id="{B1836D41-3C4D-1D49-AA54-4231464E6415}" type="datetimeFigureOut">
               <a:rPr lang="en-US" smtClean="0"/>
-              <a:t>4/18/2025</a:t>
+              <a:t>9/1/2025</a:t>
             </a:fld>
             <a:endParaRPr lang="en-US"/>
           </a:p>
@@ -1103,7 +1189,7 @@
           <a:p>
             <a:fld id="{B1836D41-3C4D-1D49-AA54-4231464E6415}" type="datetimeFigureOut">
               <a:rPr lang="en-US" smtClean="0"/>
-              <a:t>4/18/2025</a:t>
+              <a:t>9/1/2025</a:t>
             </a:fld>
             <a:endParaRPr lang="en-US"/>
           </a:p>
@@ -1284,7 +1370,7 @@
           <a:p>
             <a:fld id="{B1836D41-3C4D-1D49-AA54-4231464E6415}" type="datetimeFigureOut">
               <a:rPr lang="en-US" smtClean="0"/>
-              <a:t>4/18/2025</a:t>
+              <a:t>9/1/2025</a:t>
             </a:fld>
             <a:endParaRPr lang="en-US"/>
           </a:p>
@@ -1459,7 +1545,7 @@
           <a:p>
             <a:fld id="{B1836D41-3C4D-1D49-AA54-4231464E6415}" type="datetimeFigureOut">
               <a:rPr lang="en-US" smtClean="0"/>
-              <a:t>4/18/2025</a:t>
+              <a:t>9/1/2025</a:t>
             </a:fld>
             <a:endParaRPr lang="en-US"/>
           </a:p>
@@ -1707,7 +1793,7 @@
           <a:p>
             <a:fld id="{B1836D41-3C4D-1D49-AA54-4231464E6415}" type="datetimeFigureOut">
               <a:rPr lang="en-US" smtClean="0"/>
-              <a:t>4/18/2025</a:t>
+              <a:t>9/1/2025</a:t>
             </a:fld>
             <a:endParaRPr lang="en-US"/>
           </a:p>
@@ -2024,7 +2110,7 @@
           <a:p>
             <a:fld id="{B1836D41-3C4D-1D49-AA54-4231464E6415}" type="datetimeFigureOut">
               <a:rPr lang="en-US" smtClean="0"/>
-              <a:t>4/18/2025</a:t>
+              <a:t>9/1/2025</a:t>
             </a:fld>
             <a:endParaRPr lang="en-US"/>
           </a:p>
@@ -2490,7 +2576,7 @@
           <a:p>
             <a:fld id="{B1836D41-3C4D-1D49-AA54-4231464E6415}" type="datetimeFigureOut">
               <a:rPr lang="en-US" smtClean="0"/>
-              <a:t>4/18/2025</a:t>
+              <a:t>9/1/2025</a:t>
             </a:fld>
             <a:endParaRPr lang="en-US"/>
           </a:p>
@@ -2637,7 +2723,7 @@
           <a:p>
             <a:fld id="{B1836D41-3C4D-1D49-AA54-4231464E6415}" type="datetimeFigureOut">
               <a:rPr lang="en-US" smtClean="0"/>
-              <a:t>4/18/2025</a:t>
+              <a:t>9/1/2025</a:t>
             </a:fld>
             <a:endParaRPr lang="en-US"/>
           </a:p>
@@ -2727,7 +2813,7 @@
           <a:p>
             <a:fld id="{B1836D41-3C4D-1D49-AA54-4231464E6415}" type="datetimeFigureOut">
               <a:rPr lang="en-US" smtClean="0"/>
-              <a:t>4/18/2025</a:t>
+              <a:t>9/1/2025</a:t>
             </a:fld>
             <a:endParaRPr lang="en-US"/>
           </a:p>
@@ -3001,7 +3087,7 @@
           <a:p>
             <a:fld id="{B1836D41-3C4D-1D49-AA54-4231464E6415}" type="datetimeFigureOut">
               <a:rPr lang="en-US" smtClean="0"/>
-              <a:t>4/18/2025</a:t>
+              <a:t>9/1/2025</a:t>
             </a:fld>
             <a:endParaRPr lang="en-US"/>
           </a:p>
@@ -3306,7 +3392,7 @@
           <a:p>
             <a:fld id="{B1836D41-3C4D-1D49-AA54-4231464E6415}" type="datetimeFigureOut">
               <a:rPr lang="en-US" smtClean="0"/>
-              <a:t>4/18/2025</a:t>
+              <a:t>9/1/2025</a:t>
             </a:fld>
             <a:endParaRPr lang="en-US"/>
           </a:p>
@@ -3603,7 +3689,7 @@
           <a:p>
             <a:fld id="{B1836D41-3C4D-1D49-AA54-4231464E6415}" type="datetimeFigureOut">
               <a:rPr lang="en-US" smtClean="0"/>
-              <a:t>4/18/2025</a:t>
+              <a:t>9/1/2025</a:t>
             </a:fld>
             <a:endParaRPr lang="en-US"/>
           </a:p>
@@ -4097,7 +4183,7 @@
               </a:ext>
             </a:extLst>
           </a:blip>
-          <a:srcRect t="23474" b="35163"/>
+          <a:srcRect/>
           <a:stretch/>
         </p:blipFill>
         <p:spPr bwMode="auto">
@@ -4189,7 +4275,7 @@
               </a:ext>
             </a:extLst>
           </a:blip>
-          <a:srcRect l="10410" t="10574" r="12932" b="12106"/>
+          <a:srcRect/>
           <a:stretch/>
         </p:blipFill>
         <p:spPr bwMode="auto">
@@ -4242,6 +4328,358 @@
           <a:chExt cx="0" cy="0"/>
         </a:xfrm>
       </p:grpSpPr>
+      <p:pic>
+        <p:nvPicPr>
+          <p:cNvPr id="13" name="Picture 12">
+            <a:extLst>
+              <a:ext uri="{FF2B5EF4-FFF2-40B4-BE49-F238E27FC236}">
+                <a16:creationId xmlns:a16="http://schemas.microsoft.com/office/drawing/2014/main" id="{AEB836CA-38B8-05EC-E0BB-863A930D75BD}"/>
+              </a:ext>
+            </a:extLst>
+          </p:cNvPr>
+          <p:cNvPicPr>
+            <a:picLocks noChangeAspect="1"/>
+          </p:cNvPicPr>
+          <p:nvPr/>
+        </p:nvPicPr>
+        <p:blipFill>
+          <a:blip r:embed="rId2"/>
+          <a:stretch>
+            <a:fillRect/>
+          </a:stretch>
+        </p:blipFill>
+        <p:spPr>
+          <a:xfrm>
+            <a:off x="5447928" y="557509"/>
+            <a:ext cx="6552728" cy="6105273"/>
+          </a:xfrm>
+          <a:prstGeom prst="rect">
+            <a:avLst/>
+          </a:prstGeom>
+        </p:spPr>
+      </p:pic>
+      <p:sp>
+        <p:nvSpPr>
+          <p:cNvPr id="2" name="Title 1">
+            <a:extLst>
+              <a:ext uri="{FF2B5EF4-FFF2-40B4-BE49-F238E27FC236}">
+                <a16:creationId xmlns:a16="http://schemas.microsoft.com/office/drawing/2014/main" id="{0AAB0015-4D35-4BEB-C8E5-88DE555E9EB4}"/>
+              </a:ext>
+            </a:extLst>
+          </p:cNvPr>
+          <p:cNvSpPr>
+            <a:spLocks noGrp="1"/>
+          </p:cNvSpPr>
+          <p:nvPr>
+            <p:ph type="title"/>
+          </p:nvPr>
+        </p:nvSpPr>
+        <p:spPr/>
+        <p:txBody>
+          <a:bodyPr/>
+          <a:lstStyle/>
+          <a:p>
+            <a:r>
+              <a:rPr lang="en-GB" dirty="0"/>
+              <a:t>Device side</a:t>
+            </a:r>
+          </a:p>
+        </p:txBody>
+      </p:sp>
+      <p:sp>
+        <p:nvSpPr>
+          <p:cNvPr id="6" name="Right Brace 5">
+            <a:extLst>
+              <a:ext uri="{FF2B5EF4-FFF2-40B4-BE49-F238E27FC236}">
+                <a16:creationId xmlns:a16="http://schemas.microsoft.com/office/drawing/2014/main" id="{983D2644-B420-BD4B-71DA-B99527E14F60}"/>
+              </a:ext>
+            </a:extLst>
+          </p:cNvPr>
+          <p:cNvSpPr/>
+          <p:nvPr/>
+        </p:nvSpPr>
+        <p:spPr>
+          <a:xfrm rot="10800000">
+            <a:off x="5220557" y="1526565"/>
+            <a:ext cx="360040" cy="948401"/>
+          </a:xfrm>
+          <a:prstGeom prst="rightBrace">
+            <a:avLst/>
+          </a:prstGeom>
+          <a:ln w="15875">
+            <a:solidFill>
+              <a:srgbClr val="00B050"/>
+            </a:solidFill>
+          </a:ln>
+        </p:spPr>
+        <p:style>
+          <a:lnRef idx="1">
+            <a:schemeClr val="accent1"/>
+          </a:lnRef>
+          <a:fillRef idx="0">
+            <a:schemeClr val="accent1"/>
+          </a:fillRef>
+          <a:effectRef idx="0">
+            <a:schemeClr val="accent1"/>
+          </a:effectRef>
+          <a:fontRef idx="minor">
+            <a:schemeClr val="tx1"/>
+          </a:fontRef>
+        </p:style>
+        <p:txBody>
+          <a:bodyPr rtlCol="0" anchor="ctr"/>
+          <a:lstStyle/>
+          <a:p>
+            <a:pPr algn="ctr"/>
+            <a:endParaRPr lang="en-GB"/>
+          </a:p>
+        </p:txBody>
+      </p:sp>
+      <p:sp>
+        <p:nvSpPr>
+          <p:cNvPr id="7" name="TextBox 6">
+            <a:extLst>
+              <a:ext uri="{FF2B5EF4-FFF2-40B4-BE49-F238E27FC236}">
+                <a16:creationId xmlns:a16="http://schemas.microsoft.com/office/drawing/2014/main" id="{E4A923D2-0EAB-BEFC-4CBE-83C75209B953}"/>
+              </a:ext>
+            </a:extLst>
+          </p:cNvPr>
+          <p:cNvSpPr txBox="1"/>
+          <p:nvPr/>
+        </p:nvSpPr>
+        <p:spPr>
+          <a:xfrm>
+            <a:off x="2622595" y="1621272"/>
+            <a:ext cx="2711647" cy="646331"/>
+          </a:xfrm>
+          <a:prstGeom prst="rect">
+            <a:avLst/>
+          </a:prstGeom>
+          <a:noFill/>
+        </p:spPr>
+        <p:txBody>
+          <a:bodyPr wrap="square" rtlCol="0">
+            <a:spAutoFit/>
+          </a:bodyPr>
+          <a:lstStyle/>
+          <a:p>
+            <a:r>
+              <a:rPr lang="en-GB" i="1" dirty="0">
+                <a:solidFill>
+                  <a:srgbClr val="00B050"/>
+                </a:solidFill>
+              </a:rPr>
+              <a:t>Read runtime arguments set from the host</a:t>
+            </a:r>
+          </a:p>
+        </p:txBody>
+      </p:sp>
+      <p:sp>
+        <p:nvSpPr>
+          <p:cNvPr id="8" name="Right Brace 7">
+            <a:extLst>
+              <a:ext uri="{FF2B5EF4-FFF2-40B4-BE49-F238E27FC236}">
+                <a16:creationId xmlns:a16="http://schemas.microsoft.com/office/drawing/2014/main" id="{0F67B41D-AE77-9A4D-BD4A-7512B77537B1}"/>
+              </a:ext>
+            </a:extLst>
+          </p:cNvPr>
+          <p:cNvSpPr/>
+          <p:nvPr/>
+        </p:nvSpPr>
+        <p:spPr>
+          <a:xfrm rot="10800000">
+            <a:off x="5220557" y="2635005"/>
+            <a:ext cx="360040" cy="2732221"/>
+          </a:xfrm>
+          <a:prstGeom prst="rightBrace">
+            <a:avLst/>
+          </a:prstGeom>
+          <a:ln w="15875">
+            <a:solidFill>
+              <a:srgbClr val="00B050"/>
+            </a:solidFill>
+          </a:ln>
+        </p:spPr>
+        <p:style>
+          <a:lnRef idx="1">
+            <a:schemeClr val="accent1"/>
+          </a:lnRef>
+          <a:fillRef idx="0">
+            <a:schemeClr val="accent1"/>
+          </a:fillRef>
+          <a:effectRef idx="0">
+            <a:schemeClr val="accent1"/>
+          </a:effectRef>
+          <a:fontRef idx="minor">
+            <a:schemeClr val="tx1"/>
+          </a:fontRef>
+        </p:style>
+        <p:txBody>
+          <a:bodyPr rtlCol="0" anchor="ctr"/>
+          <a:lstStyle/>
+          <a:p>
+            <a:pPr algn="ctr"/>
+            <a:endParaRPr lang="en-GB"/>
+          </a:p>
+        </p:txBody>
+      </p:sp>
+      <p:sp>
+        <p:nvSpPr>
+          <p:cNvPr id="9" name="TextBox 8">
+            <a:extLst>
+              <a:ext uri="{FF2B5EF4-FFF2-40B4-BE49-F238E27FC236}">
+                <a16:creationId xmlns:a16="http://schemas.microsoft.com/office/drawing/2014/main" id="{A853249D-51CD-62AB-2F60-BA1C72A07972}"/>
+              </a:ext>
+            </a:extLst>
+          </p:cNvPr>
+          <p:cNvSpPr txBox="1"/>
+          <p:nvPr/>
+        </p:nvSpPr>
+        <p:spPr>
+          <a:xfrm>
+            <a:off x="2608905" y="3816449"/>
+            <a:ext cx="2711647" cy="369332"/>
+          </a:xfrm>
+          <a:prstGeom prst="rect">
+            <a:avLst/>
+          </a:prstGeom>
+          <a:noFill/>
+        </p:spPr>
+        <p:txBody>
+          <a:bodyPr wrap="square" rtlCol="0">
+            <a:spAutoFit/>
+          </a:bodyPr>
+          <a:lstStyle/>
+          <a:p>
+            <a:r>
+              <a:rPr lang="en-GB" i="1" dirty="0">
+                <a:solidFill>
+                  <a:srgbClr val="00B050"/>
+                </a:solidFill>
+              </a:rPr>
+              <a:t>Read data from DRAM</a:t>
+            </a:r>
+          </a:p>
+        </p:txBody>
+      </p:sp>
+      <p:sp>
+        <p:nvSpPr>
+          <p:cNvPr id="10" name="Right Brace 9">
+            <a:extLst>
+              <a:ext uri="{FF2B5EF4-FFF2-40B4-BE49-F238E27FC236}">
+                <a16:creationId xmlns:a16="http://schemas.microsoft.com/office/drawing/2014/main" id="{21E16AF1-4491-2B4C-B3A3-D70DB1681B2D}"/>
+              </a:ext>
+            </a:extLst>
+          </p:cNvPr>
+          <p:cNvSpPr/>
+          <p:nvPr/>
+        </p:nvSpPr>
+        <p:spPr>
+          <a:xfrm rot="10800000">
+            <a:off x="5220557" y="5649362"/>
+            <a:ext cx="360040" cy="759515"/>
+          </a:xfrm>
+          <a:prstGeom prst="rightBrace">
+            <a:avLst/>
+          </a:prstGeom>
+          <a:ln w="15875">
+            <a:solidFill>
+              <a:srgbClr val="00B050"/>
+            </a:solidFill>
+          </a:ln>
+        </p:spPr>
+        <p:style>
+          <a:lnRef idx="1">
+            <a:schemeClr val="accent1"/>
+          </a:lnRef>
+          <a:fillRef idx="0">
+            <a:schemeClr val="accent1"/>
+          </a:fillRef>
+          <a:effectRef idx="0">
+            <a:schemeClr val="accent1"/>
+          </a:effectRef>
+          <a:fontRef idx="minor">
+            <a:schemeClr val="tx1"/>
+          </a:fontRef>
+        </p:style>
+        <p:txBody>
+          <a:bodyPr rtlCol="0" anchor="ctr"/>
+          <a:lstStyle/>
+          <a:p>
+            <a:pPr algn="ctr"/>
+            <a:endParaRPr lang="en-GB"/>
+          </a:p>
+        </p:txBody>
+      </p:sp>
+      <p:sp>
+        <p:nvSpPr>
+          <p:cNvPr id="11" name="TextBox 10">
+            <a:extLst>
+              <a:ext uri="{FF2B5EF4-FFF2-40B4-BE49-F238E27FC236}">
+                <a16:creationId xmlns:a16="http://schemas.microsoft.com/office/drawing/2014/main" id="{79D64418-79CA-8D1C-0145-4C5860A2B155}"/>
+              </a:ext>
+            </a:extLst>
+          </p:cNvPr>
+          <p:cNvSpPr txBox="1"/>
+          <p:nvPr/>
+        </p:nvSpPr>
+        <p:spPr>
+          <a:xfrm>
+            <a:off x="3575720" y="5705954"/>
+            <a:ext cx="2292909" cy="646331"/>
+          </a:xfrm>
+          <a:prstGeom prst="rect">
+            <a:avLst/>
+          </a:prstGeom>
+          <a:noFill/>
+        </p:spPr>
+        <p:txBody>
+          <a:bodyPr wrap="square" rtlCol="0">
+            <a:spAutoFit/>
+          </a:bodyPr>
+          <a:lstStyle/>
+          <a:p>
+            <a:r>
+              <a:rPr lang="en-GB" i="1" dirty="0">
+                <a:solidFill>
+                  <a:srgbClr val="00B050"/>
+                </a:solidFill>
+              </a:rPr>
+              <a:t>Push data into circular buffer</a:t>
+            </a:r>
+          </a:p>
+        </p:txBody>
+      </p:sp>
+    </p:spTree>
+    <p:extLst>
+      <p:ext uri="{BB962C8B-B14F-4D97-AF65-F5344CB8AC3E}">
+        <p14:creationId xmlns:p14="http://schemas.microsoft.com/office/powerpoint/2010/main" val="775981769"/>
+      </p:ext>
+    </p:extLst>
+  </p:cSld>
+  <p:clrMapOvr>
+    <a:masterClrMapping/>
+  </p:clrMapOvr>
+</p:sld>
+</file>
+
+<file path=ppt/slides/slide11.xml><?xml version="1.0" encoding="utf-8"?>
+<p:sld xmlns:a="http://schemas.openxmlformats.org/drawingml/2006/main" xmlns:r="http://schemas.openxmlformats.org/officeDocument/2006/relationships" xmlns:p="http://schemas.openxmlformats.org/presentationml/2006/main">
+  <p:cSld>
+    <p:spTree>
+      <p:nvGrpSpPr>
+        <p:cNvPr id="1" name=""/>
+        <p:cNvGrpSpPr/>
+        <p:nvPr/>
+      </p:nvGrpSpPr>
+      <p:grpSpPr>
+        <a:xfrm>
+          <a:off x="0" y="0"/>
+          <a:ext cx="0" cy="0"/>
+          <a:chOff x="0" y="0"/>
+          <a:chExt cx="0" cy="0"/>
+        </a:xfrm>
+      </p:grpSpPr>
       <p:sp>
         <p:nvSpPr>
           <p:cNvPr id="2" name="Title 1">
@@ -4818,7 +5256,7 @@
 </p:sld>
 </file>
 
-<file path=ppt/slides/slide11.xml><?xml version="1.0" encoding="utf-8"?>
+<file path=ppt/slides/slide12.xml><?xml version="1.0" encoding="utf-8"?>
 <p:sld xmlns:a="http://schemas.openxmlformats.org/drawingml/2006/main" xmlns:r="http://schemas.openxmlformats.org/officeDocument/2006/relationships" xmlns:p="http://schemas.openxmlformats.org/presentationml/2006/main">
   <p:cSld>
     <p:spTree>
@@ -5822,7 +6260,7 @@
 </p:sld>
 </file>
 
-<file path=ppt/slides/slide12.xml><?xml version="1.0" encoding="utf-8"?>
+<file path=ppt/slides/slide13.xml><?xml version="1.0" encoding="utf-8"?>
 <p:sld xmlns:a="http://schemas.openxmlformats.org/drawingml/2006/main" xmlns:r="http://schemas.openxmlformats.org/officeDocument/2006/relationships" xmlns:p="http://schemas.openxmlformats.org/presentationml/2006/main">
   <p:cSld>
     <p:spTree>
@@ -6285,446 +6723,6 @@
 </p:sld>
 </file>
 
-<file path=ppt/slides/slide13.xml><?xml version="1.0" encoding="utf-8"?>
-<p:sld xmlns:a="http://schemas.openxmlformats.org/drawingml/2006/main" xmlns:r="http://schemas.openxmlformats.org/officeDocument/2006/relationships" xmlns:p="http://schemas.openxmlformats.org/presentationml/2006/main">
-  <p:cSld>
-    <p:spTree>
-      <p:nvGrpSpPr>
-        <p:cNvPr id="1" name=""/>
-        <p:cNvGrpSpPr/>
-        <p:nvPr/>
-      </p:nvGrpSpPr>
-      <p:grpSpPr>
-        <a:xfrm>
-          <a:off x="0" y="0"/>
-          <a:ext cx="0" cy="0"/>
-          <a:chOff x="0" y="0"/>
-          <a:chExt cx="0" cy="0"/>
-        </a:xfrm>
-      </p:grpSpPr>
-      <p:sp>
-        <p:nvSpPr>
-          <p:cNvPr id="2" name="Title 1">
-            <a:extLst>
-              <a:ext uri="{FF2B5EF4-FFF2-40B4-BE49-F238E27FC236}">
-                <a16:creationId xmlns:a16="http://schemas.microsoft.com/office/drawing/2014/main" id="{EDBE6787-1177-477E-7AD4-C18CD2F466B2}"/>
-              </a:ext>
-            </a:extLst>
-          </p:cNvPr>
-          <p:cNvSpPr>
-            <a:spLocks noGrp="1"/>
-          </p:cNvSpPr>
-          <p:nvPr>
-            <p:ph type="title"/>
-          </p:nvPr>
-        </p:nvSpPr>
-        <p:spPr/>
-        <p:txBody>
-          <a:bodyPr/>
-          <a:lstStyle/>
-          <a:p>
-            <a:r>
-              <a:rPr lang="en-GB" dirty="0"/>
-              <a:t>Printing for debugging</a:t>
-            </a:r>
-          </a:p>
-        </p:txBody>
-      </p:sp>
-      <p:sp>
-        <p:nvSpPr>
-          <p:cNvPr id="3" name="Content Placeholder 2">
-            <a:extLst>
-              <a:ext uri="{FF2B5EF4-FFF2-40B4-BE49-F238E27FC236}">
-                <a16:creationId xmlns:a16="http://schemas.microsoft.com/office/drawing/2014/main" id="{19CD6A20-822B-E41C-FABE-3CF0F4A630DA}"/>
-              </a:ext>
-            </a:extLst>
-          </p:cNvPr>
-          <p:cNvSpPr>
-            <a:spLocks noGrp="1"/>
-          </p:cNvSpPr>
-          <p:nvPr>
-            <p:ph idx="1"/>
-          </p:nvPr>
-        </p:nvSpPr>
-        <p:spPr>
-          <a:xfrm>
-            <a:off x="600998" y="1658417"/>
-            <a:ext cx="10607569" cy="1266527"/>
-          </a:xfrm>
-        </p:spPr>
-        <p:txBody>
-          <a:bodyPr/>
-          <a:lstStyle/>
-          <a:p>
-            <a:r>
-              <a:rPr lang="en-GB" dirty="0"/>
-              <a:t>An extremely helpful feature is the ability to print from kernels on the device to the terminal. This is super helpful during debugging</a:t>
-            </a:r>
-          </a:p>
-          <a:p>
-            <a:pPr lvl="1"/>
-            <a:r>
-              <a:rPr lang="en-GB" dirty="0"/>
-              <a:t>Need to explore the environment variable via </a:t>
-            </a:r>
-            <a:r>
-              <a:rPr lang="en-GB" i="1" dirty="0"/>
-              <a:t>export TT_METAL_DPRINT_CORES=0,0</a:t>
-            </a:r>
-          </a:p>
-        </p:txBody>
-      </p:sp>
-      <p:sp>
-        <p:nvSpPr>
-          <p:cNvPr id="4" name="TextBox 3">
-            <a:extLst>
-              <a:ext uri="{FF2B5EF4-FFF2-40B4-BE49-F238E27FC236}">
-                <a16:creationId xmlns:a16="http://schemas.microsoft.com/office/drawing/2014/main" id="{6EC8BF07-6F85-9ECF-9F04-8DCE8D3BD1BD}"/>
-              </a:ext>
-            </a:extLst>
-          </p:cNvPr>
-          <p:cNvSpPr txBox="1"/>
-          <p:nvPr/>
-        </p:nvSpPr>
-        <p:spPr>
-          <a:xfrm>
-            <a:off x="2423590" y="3255367"/>
-            <a:ext cx="7056784" cy="923330"/>
-          </a:xfrm>
-          <a:prstGeom prst="rect">
-            <a:avLst/>
-          </a:prstGeom>
-          <a:solidFill>
-            <a:srgbClr val="FFFF99">
-              <a:alpha val="25098"/>
-            </a:srgbClr>
-          </a:solidFill>
-          <a:ln>
-            <a:solidFill>
-              <a:schemeClr val="tx1"/>
-            </a:solidFill>
-          </a:ln>
-        </p:spPr>
-        <p:txBody>
-          <a:bodyPr wrap="square" rtlCol="0">
-            <a:spAutoFit/>
-          </a:bodyPr>
-          <a:lstStyle/>
-          <a:p>
-            <a:r>
-              <a:rPr lang="en-GB" dirty="0">
-                <a:latin typeface="Courier New" panose="02070309020205020404" pitchFamily="49" charset="0"/>
-                <a:cs typeface="Courier New" panose="02070309020205020404" pitchFamily="49" charset="0"/>
-              </a:rPr>
-              <a:t>DPRINT &lt;&lt; “Hello “ &lt;&lt; ENDL();</a:t>
-            </a:r>
-          </a:p>
-          <a:p>
-            <a:endParaRPr lang="en-GB" dirty="0">
-              <a:latin typeface="Courier New" panose="02070309020205020404" pitchFamily="49" charset="0"/>
-              <a:cs typeface="Courier New" panose="02070309020205020404" pitchFamily="49" charset="0"/>
-            </a:endParaRPr>
-          </a:p>
-          <a:p>
-            <a:r>
-              <a:rPr lang="en-GB" dirty="0">
-                <a:latin typeface="Courier New" panose="02070309020205020404" pitchFamily="49" charset="0"/>
-                <a:cs typeface="Courier New" panose="02070309020205020404" pitchFamily="49" charset="0"/>
-              </a:rPr>
-              <a:t>DPRINT_MATH(DPRINT &lt;&lt; “Hello “ &lt;&lt; ENDL());</a:t>
-            </a:r>
-          </a:p>
-        </p:txBody>
-      </p:sp>
-      <p:sp>
-        <p:nvSpPr>
-          <p:cNvPr id="6" name="Content Placeholder 2">
-            <a:extLst>
-              <a:ext uri="{FF2B5EF4-FFF2-40B4-BE49-F238E27FC236}">
-                <a16:creationId xmlns:a16="http://schemas.microsoft.com/office/drawing/2014/main" id="{4E0B5538-D0E9-948F-8C01-2130F0F3287F}"/>
-              </a:ext>
-            </a:extLst>
-          </p:cNvPr>
-          <p:cNvSpPr txBox="1">
-            <a:spLocks/>
-          </p:cNvSpPr>
-          <p:nvPr/>
-        </p:nvSpPr>
-        <p:spPr>
-          <a:xfrm>
-            <a:off x="609600" y="4509120"/>
-            <a:ext cx="10607569" cy="1584176"/>
-          </a:xfrm>
-          <a:prstGeom prst="rect">
-            <a:avLst/>
-          </a:prstGeom>
-        </p:spPr>
-        <p:txBody>
-          <a:bodyPr vert="horz" lIns="91440" tIns="45720" rIns="91440" bIns="45720" rtlCol="0">
-            <a:normAutofit/>
-          </a:bodyPr>
-          <a:lstStyle>
-            <a:lvl1pPr marL="182880" indent="-182880" algn="l" defTabSz="914400" rtl="0" eaLnBrk="1" latinLnBrk="0" hangingPunct="1">
-              <a:spcBef>
-                <a:spcPct val="20000"/>
-              </a:spcBef>
-              <a:buClr>
-                <a:schemeClr val="accent1"/>
-              </a:buClr>
-              <a:buSzPct val="85000"/>
-              <a:buFont typeface="Arial" pitchFamily="34" charset="0"/>
-              <a:buChar char="•"/>
-              <a:defRPr sz="2400" kern="1200">
-                <a:solidFill>
-                  <a:schemeClr val="tx1"/>
-                </a:solidFill>
-                <a:latin typeface="+mn-lt"/>
-                <a:ea typeface="+mn-ea"/>
-                <a:cs typeface="+mn-cs"/>
-              </a:defRPr>
-            </a:lvl1pPr>
-            <a:lvl2pPr marL="457200" indent="-182880" algn="l" defTabSz="914400" rtl="0" eaLnBrk="1" latinLnBrk="0" hangingPunct="1">
-              <a:spcBef>
-                <a:spcPct val="20000"/>
-              </a:spcBef>
-              <a:buClr>
-                <a:schemeClr val="accent1"/>
-              </a:buClr>
-              <a:buSzPct val="85000"/>
-              <a:buFont typeface="Arial" pitchFamily="34" charset="0"/>
-              <a:buChar char="•"/>
-              <a:defRPr sz="2000" kern="1200">
-                <a:solidFill>
-                  <a:schemeClr val="tx1"/>
-                </a:solidFill>
-                <a:latin typeface="+mn-lt"/>
-                <a:ea typeface="+mn-ea"/>
-                <a:cs typeface="+mn-cs"/>
-              </a:defRPr>
-            </a:lvl2pPr>
-            <a:lvl3pPr marL="731520" indent="-182880" algn="l" defTabSz="914400" rtl="0" eaLnBrk="1" latinLnBrk="0" hangingPunct="1">
-              <a:spcBef>
-                <a:spcPct val="20000"/>
-              </a:spcBef>
-              <a:buClr>
-                <a:schemeClr val="accent1"/>
-              </a:buClr>
-              <a:buSzPct val="90000"/>
-              <a:buFont typeface="Arial" pitchFamily="34" charset="0"/>
-              <a:buChar char="•"/>
-              <a:defRPr sz="1800" kern="1200">
-                <a:solidFill>
-                  <a:schemeClr val="tx1"/>
-                </a:solidFill>
-                <a:latin typeface="+mn-lt"/>
-                <a:ea typeface="+mn-ea"/>
-                <a:cs typeface="+mn-cs"/>
-              </a:defRPr>
-            </a:lvl3pPr>
-            <a:lvl4pPr marL="1005840" indent="-182880" algn="l" defTabSz="914400" rtl="0" eaLnBrk="1" latinLnBrk="0" hangingPunct="1">
-              <a:spcBef>
-                <a:spcPct val="20000"/>
-              </a:spcBef>
-              <a:buClr>
-                <a:schemeClr val="accent1"/>
-              </a:buClr>
-              <a:buFont typeface="Arial" pitchFamily="34" charset="0"/>
-              <a:buChar char="•"/>
-              <a:defRPr sz="1600" kern="1200">
-                <a:solidFill>
-                  <a:schemeClr val="tx1"/>
-                </a:solidFill>
-                <a:latin typeface="+mn-lt"/>
-                <a:ea typeface="+mn-ea"/>
-                <a:cs typeface="+mn-cs"/>
-              </a:defRPr>
-            </a:lvl4pPr>
-            <a:lvl5pPr marL="1188720" indent="-137160" algn="l" defTabSz="914400" rtl="0" eaLnBrk="1" latinLnBrk="0" hangingPunct="1">
-              <a:spcBef>
-                <a:spcPct val="20000"/>
-              </a:spcBef>
-              <a:buClr>
-                <a:schemeClr val="accent1"/>
-              </a:buClr>
-              <a:buSzPct val="100000"/>
-              <a:buFont typeface="Arial" pitchFamily="34" charset="0"/>
-              <a:buChar char="•"/>
-              <a:defRPr sz="1400" kern="1200" baseline="0">
-                <a:solidFill>
-                  <a:schemeClr val="tx1"/>
-                </a:solidFill>
-                <a:latin typeface="+mn-lt"/>
-                <a:ea typeface="+mn-ea"/>
-                <a:cs typeface="+mn-cs"/>
-              </a:defRPr>
-            </a:lvl5pPr>
-            <a:lvl6pPr marL="1371600" indent="-182880" algn="l" defTabSz="914400" rtl="0" eaLnBrk="1" latinLnBrk="0" hangingPunct="1">
-              <a:spcBef>
-                <a:spcPct val="20000"/>
-              </a:spcBef>
-              <a:buClr>
-                <a:schemeClr val="accent1"/>
-              </a:buClr>
-              <a:buFont typeface="Arial" pitchFamily="34" charset="0"/>
-              <a:buChar char="•"/>
-              <a:defRPr sz="1300" kern="1200">
-                <a:solidFill>
-                  <a:schemeClr val="tx1"/>
-                </a:solidFill>
-                <a:latin typeface="+mn-lt"/>
-                <a:ea typeface="+mn-ea"/>
-                <a:cs typeface="+mn-cs"/>
-              </a:defRPr>
-            </a:lvl6pPr>
-            <a:lvl7pPr marL="1554480" indent="-182880" algn="l" defTabSz="914400" rtl="0" eaLnBrk="1" latinLnBrk="0" hangingPunct="1">
-              <a:spcBef>
-                <a:spcPct val="20000"/>
-              </a:spcBef>
-              <a:buClr>
-                <a:schemeClr val="accent1"/>
-              </a:buClr>
-              <a:buFont typeface="Arial" pitchFamily="34" charset="0"/>
-              <a:buChar char="•"/>
-              <a:defRPr sz="1300" kern="1200">
-                <a:solidFill>
-                  <a:schemeClr val="tx1"/>
-                </a:solidFill>
-                <a:latin typeface="+mn-lt"/>
-                <a:ea typeface="+mn-ea"/>
-                <a:cs typeface="+mn-cs"/>
-              </a:defRPr>
-            </a:lvl7pPr>
-            <a:lvl8pPr marL="1737360" indent="-182880" algn="l" defTabSz="914400" rtl="0" eaLnBrk="1" latinLnBrk="0" hangingPunct="1">
-              <a:spcBef>
-                <a:spcPct val="20000"/>
-              </a:spcBef>
-              <a:buClr>
-                <a:schemeClr val="accent1"/>
-              </a:buClr>
-              <a:buFont typeface="Arial" pitchFamily="34" charset="0"/>
-              <a:buChar char="•"/>
-              <a:defRPr sz="1300" kern="1200">
-                <a:solidFill>
-                  <a:schemeClr val="tx1"/>
-                </a:solidFill>
-                <a:latin typeface="+mn-lt"/>
-                <a:ea typeface="+mn-ea"/>
-                <a:cs typeface="+mn-cs"/>
-              </a:defRPr>
-            </a:lvl8pPr>
-            <a:lvl9pPr marL="1920240" indent="-182880" algn="l" defTabSz="914400" rtl="0" eaLnBrk="1" latinLnBrk="0" hangingPunct="1">
-              <a:spcBef>
-                <a:spcPct val="20000"/>
-              </a:spcBef>
-              <a:buClr>
-                <a:schemeClr val="accent1"/>
-              </a:buClr>
-              <a:buFont typeface="Arial" pitchFamily="34" charset="0"/>
-              <a:buChar char="•"/>
-              <a:defRPr sz="1300" kern="1200">
-                <a:solidFill>
-                  <a:schemeClr val="tx1"/>
-                </a:solidFill>
-                <a:latin typeface="+mn-lt"/>
-                <a:ea typeface="+mn-ea"/>
-                <a:cs typeface="+mn-cs"/>
-              </a:defRPr>
-            </a:lvl9pPr>
-          </a:lstStyle>
-          <a:p>
-            <a:r>
-              <a:rPr lang="en-GB" i="1" dirty="0"/>
-              <a:t>DPRINT </a:t>
-            </a:r>
-            <a:r>
-              <a:rPr lang="en-GB" dirty="0"/>
-              <a:t>in the kernel will print, furthermore there are function calls such as </a:t>
-            </a:r>
-            <a:r>
-              <a:rPr lang="en-GB" i="1" dirty="0"/>
-              <a:t>DPRINT_MATH </a:t>
-            </a:r>
-            <a:r>
-              <a:rPr lang="en-GB" dirty="0"/>
-              <a:t>that select which specific core will do the printing. Also calls to print contents of CBs too.</a:t>
-            </a:r>
-          </a:p>
-          <a:p>
-            <a:pPr lvl="1"/>
-            <a:r>
-              <a:rPr lang="en-GB" dirty="0"/>
-              <a:t>As it’s a debugging thing, I tend to find </a:t>
-            </a:r>
-            <a:r>
-              <a:rPr lang="en-GB" i="1" dirty="0"/>
-              <a:t>DPRINT </a:t>
-            </a:r>
-            <a:r>
-              <a:rPr lang="en-GB" dirty="0"/>
-              <a:t>sufficient for most things</a:t>
-            </a:r>
-          </a:p>
-        </p:txBody>
-      </p:sp>
-      <p:sp>
-        <p:nvSpPr>
-          <p:cNvPr id="7" name="TextBox 6">
-            <a:extLst>
-              <a:ext uri="{FF2B5EF4-FFF2-40B4-BE49-F238E27FC236}">
-                <a16:creationId xmlns:a16="http://schemas.microsoft.com/office/drawing/2014/main" id="{7012A78C-1241-4CBD-7025-B5CDD2A38DA0}"/>
-              </a:ext>
-            </a:extLst>
-          </p:cNvPr>
-          <p:cNvSpPr txBox="1"/>
-          <p:nvPr/>
-        </p:nvSpPr>
-        <p:spPr>
-          <a:xfrm>
-            <a:off x="599790" y="6277962"/>
-            <a:ext cx="10704385" cy="369332"/>
-          </a:xfrm>
-          <a:prstGeom prst="rect">
-            <a:avLst/>
-          </a:prstGeom>
-          <a:noFill/>
-        </p:spPr>
-        <p:txBody>
-          <a:bodyPr wrap="square" rtlCol="0">
-            <a:spAutoFit/>
-          </a:bodyPr>
-          <a:lstStyle/>
-          <a:p>
-            <a:pPr algn="ctr"/>
-            <a:r>
-              <a:rPr lang="en-GB" i="1" dirty="0"/>
-              <a:t>Lots more details at </a:t>
-            </a:r>
-            <a:r>
-              <a:rPr lang="en-GB" i="1" dirty="0">
-                <a:hlinkClick r:id="rId2"/>
-              </a:rPr>
-              <a:t>https://docs.tenstorrent.com/tt-metal/latest/tt-metalium/tools/kernel_print.html</a:t>
-            </a:r>
-            <a:r>
-              <a:rPr lang="en-GB" i="1" dirty="0"/>
-              <a:t> </a:t>
-            </a:r>
-          </a:p>
-        </p:txBody>
-      </p:sp>
-    </p:spTree>
-    <p:extLst>
-      <p:ext uri="{BB962C8B-B14F-4D97-AF65-F5344CB8AC3E}">
-        <p14:creationId xmlns:p14="http://schemas.microsoft.com/office/powerpoint/2010/main" val="2822186976"/>
-      </p:ext>
-    </p:extLst>
-  </p:cSld>
-  <p:clrMapOvr>
-    <a:masterClrMapping/>
-  </p:clrMapOvr>
-</p:sld>
-</file>
-
 <file path=ppt/slides/slide14.xml><?xml version="1.0" encoding="utf-8"?>
 <p:sld xmlns:a="http://schemas.openxmlformats.org/drawingml/2006/main" xmlns:r="http://schemas.openxmlformats.org/officeDocument/2006/relationships" xmlns:p="http://schemas.openxmlformats.org/presentationml/2006/main">
   <p:cSld>
@@ -6747,7 +6745,7 @@
           <p:cNvPr id="2" name="Title 1">
             <a:extLst>
               <a:ext uri="{FF2B5EF4-FFF2-40B4-BE49-F238E27FC236}">
-                <a16:creationId xmlns:a16="http://schemas.microsoft.com/office/drawing/2014/main" id="{EB0C3ACD-8CB4-EE70-3E5B-49DFB411D57E}"/>
+                <a16:creationId xmlns:a16="http://schemas.microsoft.com/office/drawing/2014/main" id="{EDBE6787-1177-477E-7AD4-C18CD2F466B2}"/>
               </a:ext>
             </a:extLst>
           </p:cNvPr>
@@ -6765,7 +6763,7 @@
           <a:p>
             <a:r>
               <a:rPr lang="en-GB" dirty="0"/>
-              <a:t>Next steps: Getting hands on</a:t>
+              <a:t>Printing for debugging</a:t>
             </a:r>
           </a:p>
         </p:txBody>
@@ -6775,7 +6773,7 @@
           <p:cNvPr id="3" name="Content Placeholder 2">
             <a:extLst>
               <a:ext uri="{FF2B5EF4-FFF2-40B4-BE49-F238E27FC236}">
-                <a16:creationId xmlns:a16="http://schemas.microsoft.com/office/drawing/2014/main" id="{5CFFE9BD-5A6F-ED31-9FEF-851A5D600EBB}"/>
+                <a16:creationId xmlns:a16="http://schemas.microsoft.com/office/drawing/2014/main" id="{19CD6A20-822B-E41C-FABE-3CF0F4A630DA}"/>
               </a:ext>
             </a:extLst>
           </p:cNvPr>
@@ -6786,13 +6784,1155 @@
             <p:ph idx="1"/>
           </p:nvPr>
         </p:nvSpPr>
-        <p:spPr/>
+        <p:spPr>
+          <a:xfrm>
+            <a:off x="600998" y="1658417"/>
+            <a:ext cx="10607569" cy="1266527"/>
+          </a:xfrm>
+        </p:spPr>
         <p:txBody>
           <a:bodyPr/>
           <a:lstStyle/>
           <a:p>
             <a:r>
               <a:rPr lang="en-GB" dirty="0"/>
+              <a:t>An extremely helpful feature is the ability to print from kernels on the device to the terminal. This is super helpful during debugging</a:t>
+            </a:r>
+          </a:p>
+          <a:p>
+            <a:pPr lvl="1"/>
+            <a:r>
+              <a:rPr lang="en-GB" dirty="0"/>
+              <a:t>Need to explore the environment variable via </a:t>
+            </a:r>
+            <a:r>
+              <a:rPr lang="en-GB" i="1" dirty="0"/>
+              <a:t>export TT_METAL_DPRINT_CORES=0,0</a:t>
+            </a:r>
+          </a:p>
+        </p:txBody>
+      </p:sp>
+      <p:sp>
+        <p:nvSpPr>
+          <p:cNvPr id="4" name="TextBox 3">
+            <a:extLst>
+              <a:ext uri="{FF2B5EF4-FFF2-40B4-BE49-F238E27FC236}">
+                <a16:creationId xmlns:a16="http://schemas.microsoft.com/office/drawing/2014/main" id="{6EC8BF07-6F85-9ECF-9F04-8DCE8D3BD1BD}"/>
+              </a:ext>
+            </a:extLst>
+          </p:cNvPr>
+          <p:cNvSpPr txBox="1"/>
+          <p:nvPr/>
+        </p:nvSpPr>
+        <p:spPr>
+          <a:xfrm>
+            <a:off x="2423590" y="3255367"/>
+            <a:ext cx="7056784" cy="923330"/>
+          </a:xfrm>
+          <a:prstGeom prst="rect">
+            <a:avLst/>
+          </a:prstGeom>
+          <a:solidFill>
+            <a:srgbClr val="FFFF99">
+              <a:alpha val="25098"/>
+            </a:srgbClr>
+          </a:solidFill>
+          <a:ln>
+            <a:solidFill>
+              <a:schemeClr val="tx1"/>
+            </a:solidFill>
+          </a:ln>
+        </p:spPr>
+        <p:txBody>
+          <a:bodyPr wrap="square" rtlCol="0">
+            <a:spAutoFit/>
+          </a:bodyPr>
+          <a:lstStyle/>
+          <a:p>
+            <a:r>
+              <a:rPr lang="en-GB" dirty="0">
+                <a:latin typeface="Courier New" panose="02070309020205020404" pitchFamily="49" charset="0"/>
+                <a:cs typeface="Courier New" panose="02070309020205020404" pitchFamily="49" charset="0"/>
+              </a:rPr>
+              <a:t>DPRINT &lt;&lt; “Hello “ &lt;&lt; ENDL();</a:t>
+            </a:r>
+          </a:p>
+          <a:p>
+            <a:endParaRPr lang="en-GB" dirty="0">
+              <a:latin typeface="Courier New" panose="02070309020205020404" pitchFamily="49" charset="0"/>
+              <a:cs typeface="Courier New" panose="02070309020205020404" pitchFamily="49" charset="0"/>
+            </a:endParaRPr>
+          </a:p>
+          <a:p>
+            <a:r>
+              <a:rPr lang="en-GB" dirty="0">
+                <a:latin typeface="Courier New" panose="02070309020205020404" pitchFamily="49" charset="0"/>
+                <a:cs typeface="Courier New" panose="02070309020205020404" pitchFamily="49" charset="0"/>
+              </a:rPr>
+              <a:t>DPRINT_MATH(DPRINT &lt;&lt; “Hello “ &lt;&lt; ENDL());</a:t>
+            </a:r>
+          </a:p>
+        </p:txBody>
+      </p:sp>
+      <p:sp>
+        <p:nvSpPr>
+          <p:cNvPr id="6" name="Content Placeholder 2">
+            <a:extLst>
+              <a:ext uri="{FF2B5EF4-FFF2-40B4-BE49-F238E27FC236}">
+                <a16:creationId xmlns:a16="http://schemas.microsoft.com/office/drawing/2014/main" id="{4E0B5538-D0E9-948F-8C01-2130F0F3287F}"/>
+              </a:ext>
+            </a:extLst>
+          </p:cNvPr>
+          <p:cNvSpPr txBox="1">
+            <a:spLocks/>
+          </p:cNvSpPr>
+          <p:nvPr/>
+        </p:nvSpPr>
+        <p:spPr>
+          <a:xfrm>
+            <a:off x="609600" y="4509120"/>
+            <a:ext cx="10607569" cy="1584176"/>
+          </a:xfrm>
+          <a:prstGeom prst="rect">
+            <a:avLst/>
+          </a:prstGeom>
+        </p:spPr>
+        <p:txBody>
+          <a:bodyPr vert="horz" lIns="91440" tIns="45720" rIns="91440" bIns="45720" rtlCol="0">
+            <a:normAutofit/>
+          </a:bodyPr>
+          <a:lstStyle>
+            <a:lvl1pPr marL="182880" indent="-182880" algn="l" defTabSz="914400" rtl="0" eaLnBrk="1" latinLnBrk="0" hangingPunct="1">
+              <a:spcBef>
+                <a:spcPct val="20000"/>
+              </a:spcBef>
+              <a:buClr>
+                <a:schemeClr val="accent1"/>
+              </a:buClr>
+              <a:buSzPct val="85000"/>
+              <a:buFont typeface="Arial" pitchFamily="34" charset="0"/>
+              <a:buChar char="•"/>
+              <a:defRPr sz="2400" kern="1200">
+                <a:solidFill>
+                  <a:schemeClr val="tx1"/>
+                </a:solidFill>
+                <a:latin typeface="+mn-lt"/>
+                <a:ea typeface="+mn-ea"/>
+                <a:cs typeface="+mn-cs"/>
+              </a:defRPr>
+            </a:lvl1pPr>
+            <a:lvl2pPr marL="457200" indent="-182880" algn="l" defTabSz="914400" rtl="0" eaLnBrk="1" latinLnBrk="0" hangingPunct="1">
+              <a:spcBef>
+                <a:spcPct val="20000"/>
+              </a:spcBef>
+              <a:buClr>
+                <a:schemeClr val="accent1"/>
+              </a:buClr>
+              <a:buSzPct val="85000"/>
+              <a:buFont typeface="Arial" pitchFamily="34" charset="0"/>
+              <a:buChar char="•"/>
+              <a:defRPr sz="2000" kern="1200">
+                <a:solidFill>
+                  <a:schemeClr val="tx1"/>
+                </a:solidFill>
+                <a:latin typeface="+mn-lt"/>
+                <a:ea typeface="+mn-ea"/>
+                <a:cs typeface="+mn-cs"/>
+              </a:defRPr>
+            </a:lvl2pPr>
+            <a:lvl3pPr marL="731520" indent="-182880" algn="l" defTabSz="914400" rtl="0" eaLnBrk="1" latinLnBrk="0" hangingPunct="1">
+              <a:spcBef>
+                <a:spcPct val="20000"/>
+              </a:spcBef>
+              <a:buClr>
+                <a:schemeClr val="accent1"/>
+              </a:buClr>
+              <a:buSzPct val="90000"/>
+              <a:buFont typeface="Arial" pitchFamily="34" charset="0"/>
+              <a:buChar char="•"/>
+              <a:defRPr sz="1800" kern="1200">
+                <a:solidFill>
+                  <a:schemeClr val="tx1"/>
+                </a:solidFill>
+                <a:latin typeface="+mn-lt"/>
+                <a:ea typeface="+mn-ea"/>
+                <a:cs typeface="+mn-cs"/>
+              </a:defRPr>
+            </a:lvl3pPr>
+            <a:lvl4pPr marL="1005840" indent="-182880" algn="l" defTabSz="914400" rtl="0" eaLnBrk="1" latinLnBrk="0" hangingPunct="1">
+              <a:spcBef>
+                <a:spcPct val="20000"/>
+              </a:spcBef>
+              <a:buClr>
+                <a:schemeClr val="accent1"/>
+              </a:buClr>
+              <a:buFont typeface="Arial" pitchFamily="34" charset="0"/>
+              <a:buChar char="•"/>
+              <a:defRPr sz="1600" kern="1200">
+                <a:solidFill>
+                  <a:schemeClr val="tx1"/>
+                </a:solidFill>
+                <a:latin typeface="+mn-lt"/>
+                <a:ea typeface="+mn-ea"/>
+                <a:cs typeface="+mn-cs"/>
+              </a:defRPr>
+            </a:lvl4pPr>
+            <a:lvl5pPr marL="1188720" indent="-137160" algn="l" defTabSz="914400" rtl="0" eaLnBrk="1" latinLnBrk="0" hangingPunct="1">
+              <a:spcBef>
+                <a:spcPct val="20000"/>
+              </a:spcBef>
+              <a:buClr>
+                <a:schemeClr val="accent1"/>
+              </a:buClr>
+              <a:buSzPct val="100000"/>
+              <a:buFont typeface="Arial" pitchFamily="34" charset="0"/>
+              <a:buChar char="•"/>
+              <a:defRPr sz="1400" kern="1200" baseline="0">
+                <a:solidFill>
+                  <a:schemeClr val="tx1"/>
+                </a:solidFill>
+                <a:latin typeface="+mn-lt"/>
+                <a:ea typeface="+mn-ea"/>
+                <a:cs typeface="+mn-cs"/>
+              </a:defRPr>
+            </a:lvl5pPr>
+            <a:lvl6pPr marL="1371600" indent="-182880" algn="l" defTabSz="914400" rtl="0" eaLnBrk="1" latinLnBrk="0" hangingPunct="1">
+              <a:spcBef>
+                <a:spcPct val="20000"/>
+              </a:spcBef>
+              <a:buClr>
+                <a:schemeClr val="accent1"/>
+              </a:buClr>
+              <a:buFont typeface="Arial" pitchFamily="34" charset="0"/>
+              <a:buChar char="•"/>
+              <a:defRPr sz="1300" kern="1200">
+                <a:solidFill>
+                  <a:schemeClr val="tx1"/>
+                </a:solidFill>
+                <a:latin typeface="+mn-lt"/>
+                <a:ea typeface="+mn-ea"/>
+                <a:cs typeface="+mn-cs"/>
+              </a:defRPr>
+            </a:lvl6pPr>
+            <a:lvl7pPr marL="1554480" indent="-182880" algn="l" defTabSz="914400" rtl="0" eaLnBrk="1" latinLnBrk="0" hangingPunct="1">
+              <a:spcBef>
+                <a:spcPct val="20000"/>
+              </a:spcBef>
+              <a:buClr>
+                <a:schemeClr val="accent1"/>
+              </a:buClr>
+              <a:buFont typeface="Arial" pitchFamily="34" charset="0"/>
+              <a:buChar char="•"/>
+              <a:defRPr sz="1300" kern="1200">
+                <a:solidFill>
+                  <a:schemeClr val="tx1"/>
+                </a:solidFill>
+                <a:latin typeface="+mn-lt"/>
+                <a:ea typeface="+mn-ea"/>
+                <a:cs typeface="+mn-cs"/>
+              </a:defRPr>
+            </a:lvl7pPr>
+            <a:lvl8pPr marL="1737360" indent="-182880" algn="l" defTabSz="914400" rtl="0" eaLnBrk="1" latinLnBrk="0" hangingPunct="1">
+              <a:spcBef>
+                <a:spcPct val="20000"/>
+              </a:spcBef>
+              <a:buClr>
+                <a:schemeClr val="accent1"/>
+              </a:buClr>
+              <a:buFont typeface="Arial" pitchFamily="34" charset="0"/>
+              <a:buChar char="•"/>
+              <a:defRPr sz="1300" kern="1200">
+                <a:solidFill>
+                  <a:schemeClr val="tx1"/>
+                </a:solidFill>
+                <a:latin typeface="+mn-lt"/>
+                <a:ea typeface="+mn-ea"/>
+                <a:cs typeface="+mn-cs"/>
+              </a:defRPr>
+            </a:lvl8pPr>
+            <a:lvl9pPr marL="1920240" indent="-182880" algn="l" defTabSz="914400" rtl="0" eaLnBrk="1" latinLnBrk="0" hangingPunct="1">
+              <a:spcBef>
+                <a:spcPct val="20000"/>
+              </a:spcBef>
+              <a:buClr>
+                <a:schemeClr val="accent1"/>
+              </a:buClr>
+              <a:buFont typeface="Arial" pitchFamily="34" charset="0"/>
+              <a:buChar char="•"/>
+              <a:defRPr sz="1300" kern="1200">
+                <a:solidFill>
+                  <a:schemeClr val="tx1"/>
+                </a:solidFill>
+                <a:latin typeface="+mn-lt"/>
+                <a:ea typeface="+mn-ea"/>
+                <a:cs typeface="+mn-cs"/>
+              </a:defRPr>
+            </a:lvl9pPr>
+          </a:lstStyle>
+          <a:p>
+            <a:r>
+              <a:rPr lang="en-GB" i="1" dirty="0"/>
+              <a:t>DPRINT </a:t>
+            </a:r>
+            <a:r>
+              <a:rPr lang="en-GB" dirty="0"/>
+              <a:t>in the kernel will print, furthermore there are function calls such as </a:t>
+            </a:r>
+            <a:r>
+              <a:rPr lang="en-GB" i="1" dirty="0"/>
+              <a:t>DPRINT_MATH </a:t>
+            </a:r>
+            <a:r>
+              <a:rPr lang="en-GB" dirty="0"/>
+              <a:t>that select which specific core will do the printing. Also calls to print contents of CBs too.</a:t>
+            </a:r>
+          </a:p>
+          <a:p>
+            <a:pPr lvl="1"/>
+            <a:r>
+              <a:rPr lang="en-GB" dirty="0"/>
+              <a:t>As it’s a debugging thing, I tend to find </a:t>
+            </a:r>
+            <a:r>
+              <a:rPr lang="en-GB" i="1" dirty="0"/>
+              <a:t>DPRINT </a:t>
+            </a:r>
+            <a:r>
+              <a:rPr lang="en-GB" dirty="0"/>
+              <a:t>sufficient for most things</a:t>
+            </a:r>
+          </a:p>
+        </p:txBody>
+      </p:sp>
+      <p:sp>
+        <p:nvSpPr>
+          <p:cNvPr id="7" name="TextBox 6">
+            <a:extLst>
+              <a:ext uri="{FF2B5EF4-FFF2-40B4-BE49-F238E27FC236}">
+                <a16:creationId xmlns:a16="http://schemas.microsoft.com/office/drawing/2014/main" id="{7012A78C-1241-4CBD-7025-B5CDD2A38DA0}"/>
+              </a:ext>
+            </a:extLst>
+          </p:cNvPr>
+          <p:cNvSpPr txBox="1"/>
+          <p:nvPr/>
+        </p:nvSpPr>
+        <p:spPr>
+          <a:xfrm>
+            <a:off x="599790" y="6277962"/>
+            <a:ext cx="10704385" cy="369332"/>
+          </a:xfrm>
+          <a:prstGeom prst="rect">
+            <a:avLst/>
+          </a:prstGeom>
+          <a:noFill/>
+        </p:spPr>
+        <p:txBody>
+          <a:bodyPr wrap="square" rtlCol="0">
+            <a:spAutoFit/>
+          </a:bodyPr>
+          <a:lstStyle/>
+          <a:p>
+            <a:pPr algn="ctr"/>
+            <a:r>
+              <a:rPr lang="en-GB" i="1" dirty="0"/>
+              <a:t>Lots more details at </a:t>
+            </a:r>
+            <a:r>
+              <a:rPr lang="en-GB" i="1" dirty="0">
+                <a:hlinkClick r:id="rId2"/>
+              </a:rPr>
+              <a:t>https://docs.tenstorrent.com/tt-metal/latest/tt-metalium/tools/kernel_print.html</a:t>
+            </a:r>
+            <a:r>
+              <a:rPr lang="en-GB" i="1" dirty="0"/>
+              <a:t> </a:t>
+            </a:r>
+          </a:p>
+        </p:txBody>
+      </p:sp>
+    </p:spTree>
+    <p:extLst>
+      <p:ext uri="{BB962C8B-B14F-4D97-AF65-F5344CB8AC3E}">
+        <p14:creationId xmlns:p14="http://schemas.microsoft.com/office/powerpoint/2010/main" val="2822186976"/>
+      </p:ext>
+    </p:extLst>
+  </p:cSld>
+  <p:clrMapOvr>
+    <a:masterClrMapping/>
+  </p:clrMapOvr>
+</p:sld>
+</file>
+
+<file path=ppt/slides/slide15.xml><?xml version="1.0" encoding="utf-8"?>
+<p:sld xmlns:a="http://schemas.openxmlformats.org/drawingml/2006/main" xmlns:r="http://schemas.openxmlformats.org/officeDocument/2006/relationships" xmlns:p="http://schemas.openxmlformats.org/presentationml/2006/main">
+  <p:cSld>
+    <p:spTree>
+      <p:nvGrpSpPr>
+        <p:cNvPr id="1" name=""/>
+        <p:cNvGrpSpPr/>
+        <p:nvPr/>
+      </p:nvGrpSpPr>
+      <p:grpSpPr>
+        <a:xfrm>
+          <a:off x="0" y="0"/>
+          <a:ext cx="0" cy="0"/>
+          <a:chOff x="0" y="0"/>
+          <a:chExt cx="0" cy="0"/>
+        </a:xfrm>
+      </p:grpSpPr>
+      <p:sp>
+        <p:nvSpPr>
+          <p:cNvPr id="2" name="Title 1">
+            <a:extLst>
+              <a:ext uri="{FF2B5EF4-FFF2-40B4-BE49-F238E27FC236}">
+                <a16:creationId xmlns:a16="http://schemas.microsoft.com/office/drawing/2014/main" id="{55481738-9C4E-894E-8D66-B077C85B5EE2}"/>
+              </a:ext>
+            </a:extLst>
+          </p:cNvPr>
+          <p:cNvSpPr>
+            <a:spLocks noGrp="1"/>
+          </p:cNvSpPr>
+          <p:nvPr>
+            <p:ph type="title"/>
+          </p:nvPr>
+        </p:nvSpPr>
+        <p:spPr/>
+        <p:txBody>
+          <a:bodyPr/>
+          <a:lstStyle/>
+          <a:p>
+            <a:r>
+              <a:rPr lang="en-GB" dirty="0"/>
+              <a:t>Building and running</a:t>
+            </a:r>
+          </a:p>
+        </p:txBody>
+      </p:sp>
+      <p:sp>
+        <p:nvSpPr>
+          <p:cNvPr id="3" name="Content Placeholder 2">
+            <a:extLst>
+              <a:ext uri="{FF2B5EF4-FFF2-40B4-BE49-F238E27FC236}">
+                <a16:creationId xmlns:a16="http://schemas.microsoft.com/office/drawing/2014/main" id="{2F26E1C1-C584-87EF-555E-B6935DDA30AD}"/>
+              </a:ext>
+            </a:extLst>
+          </p:cNvPr>
+          <p:cNvSpPr>
+            <a:spLocks noGrp="1"/>
+          </p:cNvSpPr>
+          <p:nvPr>
+            <p:ph idx="1"/>
+          </p:nvPr>
+        </p:nvSpPr>
+        <p:spPr/>
+        <p:txBody>
+          <a:bodyPr/>
+          <a:lstStyle/>
+          <a:p>
+            <a:r>
+              <a:rPr lang="en-GB" dirty="0"/>
+              <a:t>Device kernels are JIT compiled by </a:t>
+            </a:r>
+            <a:r>
+              <a:rPr lang="en-GB" dirty="0" err="1"/>
+              <a:t>Metalium</a:t>
+            </a:r>
+            <a:r>
+              <a:rPr lang="en-GB" dirty="0"/>
+              <a:t> when the host code is launched</a:t>
+            </a:r>
+          </a:p>
+          <a:p>
+            <a:endParaRPr lang="en-GB" dirty="0"/>
+          </a:p>
+          <a:p>
+            <a:endParaRPr lang="en-GB" dirty="0"/>
+          </a:p>
+          <a:p>
+            <a:endParaRPr lang="en-GB" dirty="0"/>
+          </a:p>
+          <a:p>
+            <a:endParaRPr lang="en-GB" dirty="0"/>
+          </a:p>
+          <a:p>
+            <a:endParaRPr lang="en-GB" dirty="0"/>
+          </a:p>
+          <a:p>
+            <a:endParaRPr lang="en-GB" dirty="0"/>
+          </a:p>
+          <a:p>
+            <a:endParaRPr lang="en-GB" dirty="0"/>
+          </a:p>
+          <a:p>
+            <a:r>
+              <a:rPr lang="en-GB" dirty="0"/>
+              <a:t>The </a:t>
+            </a:r>
+            <a:r>
+              <a:rPr lang="en-GB" i="1" dirty="0"/>
+              <a:t>make </a:t>
+            </a:r>
+            <a:r>
+              <a:rPr lang="en-GB" dirty="0"/>
+              <a:t>command here builds the </a:t>
+            </a:r>
+            <a:r>
+              <a:rPr lang="en-GB" i="1" dirty="0" err="1"/>
+              <a:t>ex_one</a:t>
+            </a:r>
+            <a:r>
+              <a:rPr lang="en-GB" dirty="0"/>
+              <a:t> host executable but nothing else</a:t>
+            </a:r>
+          </a:p>
+          <a:p>
+            <a:r>
+              <a:rPr lang="en-GB" dirty="0"/>
+              <a:t>When this host executable is launched, the device kernels are then built</a:t>
+            </a:r>
+          </a:p>
+          <a:p>
+            <a:pPr lvl="1"/>
+            <a:r>
+              <a:rPr lang="en-GB" dirty="0"/>
+              <a:t>Hence we need to provide the source file when calling </a:t>
+            </a:r>
+            <a:r>
+              <a:rPr lang="en-GB" i="1" dirty="0" err="1"/>
+              <a:t>CreateKernel</a:t>
+            </a:r>
+            <a:r>
+              <a:rPr lang="en-GB" i="1" dirty="0"/>
+              <a:t> </a:t>
+            </a:r>
+            <a:r>
+              <a:rPr lang="en-GB" dirty="0"/>
+              <a:t>on the host</a:t>
+            </a:r>
+          </a:p>
+        </p:txBody>
+      </p:sp>
+      <p:sp>
+        <p:nvSpPr>
+          <p:cNvPr id="4" name="TextBox 3">
+            <a:extLst>
+              <a:ext uri="{FF2B5EF4-FFF2-40B4-BE49-F238E27FC236}">
+                <a16:creationId xmlns:a16="http://schemas.microsoft.com/office/drawing/2014/main" id="{FC20E33B-746D-7A37-E8DC-16EAD9B06BF7}"/>
+              </a:ext>
+            </a:extLst>
+          </p:cNvPr>
+          <p:cNvSpPr txBox="1"/>
+          <p:nvPr/>
+        </p:nvSpPr>
+        <p:spPr>
+          <a:xfrm>
+            <a:off x="695400" y="2204864"/>
+            <a:ext cx="10972800" cy="2862322"/>
+          </a:xfrm>
+          <a:prstGeom prst="rect">
+            <a:avLst/>
+          </a:prstGeom>
+          <a:solidFill>
+            <a:schemeClr val="tx1"/>
+          </a:solidFill>
+        </p:spPr>
+        <p:txBody>
+          <a:bodyPr wrap="square" rtlCol="0">
+            <a:spAutoFit/>
+          </a:bodyPr>
+          <a:lstStyle/>
+          <a:p>
+            <a:r>
+              <a:rPr lang="en-GB" sz="1000" dirty="0">
+                <a:solidFill>
+                  <a:schemeClr val="bg1"/>
+                </a:solidFill>
+                <a:latin typeface="Courier New" panose="02070309020205020404" pitchFamily="49" charset="0"/>
+                <a:cs typeface="Courier New" panose="02070309020205020404" pitchFamily="49" charset="0"/>
+              </a:rPr>
+              <a:t>[user-id@tenstorrent1 ~/</a:t>
+            </a:r>
+            <a:r>
+              <a:rPr lang="en-GB" sz="1000" dirty="0" err="1">
+                <a:solidFill>
+                  <a:schemeClr val="bg1"/>
+                </a:solidFill>
+                <a:latin typeface="Courier New" panose="02070309020205020404" pitchFamily="49" charset="0"/>
+                <a:cs typeface="Courier New" panose="02070309020205020404" pitchFamily="49" charset="0"/>
+              </a:rPr>
+              <a:t>tt</a:t>
+            </a:r>
+            <a:r>
+              <a:rPr lang="en-GB" sz="1000" dirty="0">
+                <a:solidFill>
+                  <a:schemeClr val="bg1"/>
+                </a:solidFill>
+                <a:latin typeface="Courier New" panose="02070309020205020404" pitchFamily="49" charset="0"/>
+                <a:cs typeface="Courier New" panose="02070309020205020404" pitchFamily="49" charset="0"/>
+              </a:rPr>
+              <a:t>-tutorial/practical/one/</a:t>
+            </a:r>
+            <a:r>
+              <a:rPr lang="en-GB" sz="1000" dirty="0" err="1">
+                <a:solidFill>
+                  <a:schemeClr val="bg1"/>
+                </a:solidFill>
+                <a:latin typeface="Courier New" panose="02070309020205020404" pitchFamily="49" charset="0"/>
+                <a:cs typeface="Courier New" panose="02070309020205020404" pitchFamily="49" charset="0"/>
+              </a:rPr>
+              <a:t>sample_solutions</a:t>
+            </a:r>
+            <a:r>
+              <a:rPr lang="en-GB" sz="1000" dirty="0">
+                <a:solidFill>
+                  <a:schemeClr val="bg1"/>
+                </a:solidFill>
+                <a:latin typeface="Courier New" panose="02070309020205020404" pitchFamily="49" charset="0"/>
+                <a:cs typeface="Courier New" panose="02070309020205020404" pitchFamily="49" charset="0"/>
+              </a:rPr>
+              <a:t>]$ make</a:t>
+            </a:r>
+          </a:p>
+          <a:p>
+            <a:r>
+              <a:rPr lang="en-GB" sz="1000" dirty="0">
+                <a:solidFill>
+                  <a:schemeClr val="bg1"/>
+                </a:solidFill>
+                <a:latin typeface="Courier New" panose="02070309020205020404" pitchFamily="49" charset="0"/>
+                <a:cs typeface="Courier New" panose="02070309020205020404" pitchFamily="49" charset="0"/>
+              </a:rPr>
+              <a:t>………</a:t>
+            </a:r>
+          </a:p>
+          <a:p>
+            <a:r>
+              <a:rPr lang="en-GB" sz="1000" dirty="0">
+                <a:solidFill>
+                  <a:schemeClr val="bg1"/>
+                </a:solidFill>
+                <a:latin typeface="Courier New" panose="02070309020205020404" pitchFamily="49" charset="0"/>
+                <a:cs typeface="Courier New" panose="02070309020205020404" pitchFamily="49" charset="0"/>
+              </a:rPr>
+              <a:t>[user-id@tenstorrent1 ~/</a:t>
+            </a:r>
+            <a:r>
+              <a:rPr lang="en-GB" sz="1000" dirty="0" err="1">
+                <a:solidFill>
+                  <a:schemeClr val="bg1"/>
+                </a:solidFill>
+                <a:latin typeface="Courier New" panose="02070309020205020404" pitchFamily="49" charset="0"/>
+                <a:cs typeface="Courier New" panose="02070309020205020404" pitchFamily="49" charset="0"/>
+              </a:rPr>
+              <a:t>tt</a:t>
+            </a:r>
+            <a:r>
+              <a:rPr lang="en-GB" sz="1000" dirty="0">
+                <a:solidFill>
+                  <a:schemeClr val="bg1"/>
+                </a:solidFill>
+                <a:latin typeface="Courier New" panose="02070309020205020404" pitchFamily="49" charset="0"/>
+                <a:cs typeface="Courier New" panose="02070309020205020404" pitchFamily="49" charset="0"/>
+              </a:rPr>
+              <a:t>-tutorial/practical/one/</a:t>
+            </a:r>
+            <a:r>
+              <a:rPr lang="en-GB" sz="1000" dirty="0" err="1">
+                <a:solidFill>
+                  <a:schemeClr val="bg1"/>
+                </a:solidFill>
+                <a:latin typeface="Courier New" panose="02070309020205020404" pitchFamily="49" charset="0"/>
+                <a:cs typeface="Courier New" panose="02070309020205020404" pitchFamily="49" charset="0"/>
+              </a:rPr>
+              <a:t>sample_solutions</a:t>
+            </a:r>
+            <a:r>
+              <a:rPr lang="en-GB" sz="1000" dirty="0">
+                <a:solidFill>
+                  <a:schemeClr val="bg1"/>
+                </a:solidFill>
+                <a:latin typeface="Courier New" panose="02070309020205020404" pitchFamily="49" charset="0"/>
+                <a:cs typeface="Courier New" panose="02070309020205020404" pitchFamily="49" charset="0"/>
+              </a:rPr>
+              <a:t>]$ ./</a:t>
+            </a:r>
+            <a:r>
+              <a:rPr lang="en-GB" sz="1000" dirty="0" err="1">
+                <a:solidFill>
+                  <a:schemeClr val="bg1"/>
+                </a:solidFill>
+                <a:latin typeface="Courier New" panose="02070309020205020404" pitchFamily="49" charset="0"/>
+                <a:cs typeface="Courier New" panose="02070309020205020404" pitchFamily="49" charset="0"/>
+              </a:rPr>
+              <a:t>ex_one</a:t>
+            </a:r>
+            <a:endParaRPr lang="en-GB" sz="1000" dirty="0">
+              <a:solidFill>
+                <a:schemeClr val="bg1"/>
+              </a:solidFill>
+              <a:latin typeface="Courier New" panose="02070309020205020404" pitchFamily="49" charset="0"/>
+              <a:cs typeface="Courier New" panose="02070309020205020404" pitchFamily="49" charset="0"/>
+            </a:endParaRPr>
+          </a:p>
+          <a:p>
+            <a:r>
+              <a:rPr lang="en-GB" sz="1000" dirty="0">
+                <a:solidFill>
+                  <a:schemeClr val="bg1"/>
+                </a:solidFill>
+                <a:latin typeface="Courier New" panose="02070309020205020404" pitchFamily="49" charset="0"/>
+                <a:cs typeface="Courier New" panose="02070309020205020404" pitchFamily="49" charset="0"/>
+              </a:rPr>
+              <a:t>2025-09-01 18:38:54.566 | info     |   </a:t>
+            </a:r>
+            <a:r>
+              <a:rPr lang="en-GB" sz="1000" dirty="0" err="1">
+                <a:solidFill>
+                  <a:schemeClr val="bg1"/>
+                </a:solidFill>
+                <a:latin typeface="Courier New" panose="02070309020205020404" pitchFamily="49" charset="0"/>
+                <a:cs typeface="Courier New" panose="02070309020205020404" pitchFamily="49" charset="0"/>
+              </a:rPr>
+              <a:t>SiliconDriver</a:t>
+            </a:r>
+            <a:r>
+              <a:rPr lang="en-GB" sz="1000" dirty="0">
+                <a:solidFill>
+                  <a:schemeClr val="bg1"/>
+                </a:solidFill>
+                <a:latin typeface="Courier New" panose="02070309020205020404" pitchFamily="49" charset="0"/>
+                <a:cs typeface="Courier New" panose="02070309020205020404" pitchFamily="49" charset="0"/>
+              </a:rPr>
+              <a:t> | Opened PCI device 0; KMD version: 1.29.0; API: 1; IOMMU: disabled (pci_device.cpp:197)</a:t>
+            </a:r>
+          </a:p>
+          <a:p>
+            <a:r>
+              <a:rPr lang="en-GB" sz="1000" dirty="0">
+                <a:solidFill>
+                  <a:schemeClr val="bg1"/>
+                </a:solidFill>
+                <a:latin typeface="Courier New" panose="02070309020205020404" pitchFamily="49" charset="0"/>
+                <a:cs typeface="Courier New" panose="02070309020205020404" pitchFamily="49" charset="0"/>
+              </a:rPr>
+              <a:t>2025-09-01 18:38:54.579 | info     |          Device | Opening user mode device driver (tt_cluster.cpp:192)</a:t>
+            </a:r>
+          </a:p>
+          <a:p>
+            <a:r>
+              <a:rPr lang="en-GB" sz="1000" dirty="0">
+                <a:solidFill>
+                  <a:schemeClr val="bg1"/>
+                </a:solidFill>
+                <a:latin typeface="Courier New" panose="02070309020205020404" pitchFamily="49" charset="0"/>
+                <a:cs typeface="Courier New" panose="02070309020205020404" pitchFamily="49" charset="0"/>
+              </a:rPr>
+              <a:t>2025-09-01 18:38:54.579 | info     |   </a:t>
+            </a:r>
+            <a:r>
+              <a:rPr lang="en-GB" sz="1000" dirty="0" err="1">
+                <a:solidFill>
+                  <a:schemeClr val="bg1"/>
+                </a:solidFill>
+                <a:latin typeface="Courier New" panose="02070309020205020404" pitchFamily="49" charset="0"/>
+                <a:cs typeface="Courier New" panose="02070309020205020404" pitchFamily="49" charset="0"/>
+              </a:rPr>
+              <a:t>SiliconDriver</a:t>
+            </a:r>
+            <a:r>
+              <a:rPr lang="en-GB" sz="1000" dirty="0">
+                <a:solidFill>
+                  <a:schemeClr val="bg1"/>
+                </a:solidFill>
+                <a:latin typeface="Courier New" panose="02070309020205020404" pitchFamily="49" charset="0"/>
+                <a:cs typeface="Courier New" panose="02070309020205020404" pitchFamily="49" charset="0"/>
+              </a:rPr>
+              <a:t> | Opened PCI device 0; KMD version: 1.29.0; API: 1; IOMMU: disabled (pci_device.cpp:197)</a:t>
+            </a:r>
+          </a:p>
+          <a:p>
+            <a:r>
+              <a:rPr lang="en-GB" sz="1000" dirty="0">
+                <a:solidFill>
+                  <a:schemeClr val="bg1"/>
+                </a:solidFill>
+                <a:latin typeface="Courier New" panose="02070309020205020404" pitchFamily="49" charset="0"/>
+                <a:cs typeface="Courier New" panose="02070309020205020404" pitchFamily="49" charset="0"/>
+              </a:rPr>
+              <a:t>2025-09-01 18:38:54.590 | info     |   </a:t>
+            </a:r>
+            <a:r>
+              <a:rPr lang="en-GB" sz="1000" dirty="0" err="1">
+                <a:solidFill>
+                  <a:schemeClr val="bg1"/>
+                </a:solidFill>
+                <a:latin typeface="Courier New" panose="02070309020205020404" pitchFamily="49" charset="0"/>
+                <a:cs typeface="Courier New" panose="02070309020205020404" pitchFamily="49" charset="0"/>
+              </a:rPr>
+              <a:t>SiliconDriver</a:t>
+            </a:r>
+            <a:r>
+              <a:rPr lang="en-GB" sz="1000" dirty="0">
+                <a:solidFill>
+                  <a:schemeClr val="bg1"/>
+                </a:solidFill>
+                <a:latin typeface="Courier New" panose="02070309020205020404" pitchFamily="49" charset="0"/>
+                <a:cs typeface="Courier New" panose="02070309020205020404" pitchFamily="49" charset="0"/>
+              </a:rPr>
+              <a:t> | Opened PCI device 0; KMD version: 1.29.0; API: 1; IOMMU: disabled (pci_device.cpp:197)</a:t>
+            </a:r>
+          </a:p>
+          <a:p>
+            <a:r>
+              <a:rPr lang="en-GB" sz="1000" dirty="0">
+                <a:solidFill>
+                  <a:schemeClr val="bg1"/>
+                </a:solidFill>
+                <a:latin typeface="Courier New" panose="02070309020205020404" pitchFamily="49" charset="0"/>
+                <a:cs typeface="Courier New" panose="02070309020205020404" pitchFamily="49" charset="0"/>
+              </a:rPr>
+              <a:t>2025-09-01 18:38:54.601 | info     |   </a:t>
+            </a:r>
+            <a:r>
+              <a:rPr lang="en-GB" sz="1000" dirty="0" err="1">
+                <a:solidFill>
+                  <a:schemeClr val="bg1"/>
+                </a:solidFill>
+                <a:latin typeface="Courier New" panose="02070309020205020404" pitchFamily="49" charset="0"/>
+                <a:cs typeface="Courier New" panose="02070309020205020404" pitchFamily="49" charset="0"/>
+              </a:rPr>
+              <a:t>SiliconDriver</a:t>
+            </a:r>
+            <a:r>
+              <a:rPr lang="en-GB" sz="1000" dirty="0">
+                <a:solidFill>
+                  <a:schemeClr val="bg1"/>
+                </a:solidFill>
+                <a:latin typeface="Courier New" panose="02070309020205020404" pitchFamily="49" charset="0"/>
+                <a:cs typeface="Courier New" panose="02070309020205020404" pitchFamily="49" charset="0"/>
+              </a:rPr>
+              <a:t> | Harvesting mask for chip 0 is 0x300 (NOC0: 0x300, simulated harvesting mask: 0x0). (cluster.cpp:295)</a:t>
+            </a:r>
+          </a:p>
+          <a:p>
+            <a:r>
+              <a:rPr lang="en-GB" sz="1000" dirty="0">
+                <a:solidFill>
+                  <a:schemeClr val="bg1"/>
+                </a:solidFill>
+                <a:latin typeface="Courier New" panose="02070309020205020404" pitchFamily="49" charset="0"/>
+                <a:cs typeface="Courier New" panose="02070309020205020404" pitchFamily="49" charset="0"/>
+              </a:rPr>
+              <a:t>2025-09-01 18:38:54.603 | info     |   </a:t>
+            </a:r>
+            <a:r>
+              <a:rPr lang="en-GB" sz="1000" dirty="0" err="1">
+                <a:solidFill>
+                  <a:schemeClr val="bg1"/>
+                </a:solidFill>
+                <a:latin typeface="Courier New" panose="02070309020205020404" pitchFamily="49" charset="0"/>
+                <a:cs typeface="Courier New" panose="02070309020205020404" pitchFamily="49" charset="0"/>
+              </a:rPr>
+              <a:t>SiliconDriver</a:t>
+            </a:r>
+            <a:r>
+              <a:rPr lang="en-GB" sz="1000" dirty="0">
+                <a:solidFill>
+                  <a:schemeClr val="bg1"/>
+                </a:solidFill>
+                <a:latin typeface="Courier New" panose="02070309020205020404" pitchFamily="49" charset="0"/>
+                <a:cs typeface="Courier New" panose="02070309020205020404" pitchFamily="49" charset="0"/>
+              </a:rPr>
+              <a:t> | Opened PCI device 0; KMD version: 1.29.0; API: 1; IOMMU: disabled (pci_device.cpp:197)</a:t>
+            </a:r>
+          </a:p>
+          <a:p>
+            <a:r>
+              <a:rPr lang="en-GB" sz="1000" dirty="0">
+                <a:solidFill>
+                  <a:schemeClr val="bg1"/>
+                </a:solidFill>
+                <a:latin typeface="Courier New" panose="02070309020205020404" pitchFamily="49" charset="0"/>
+                <a:cs typeface="Courier New" panose="02070309020205020404" pitchFamily="49" charset="0"/>
+              </a:rPr>
+              <a:t>2025-09-01 18:38:54.699 | info     |   </a:t>
+            </a:r>
+            <a:r>
+              <a:rPr lang="en-GB" sz="1000" dirty="0" err="1">
+                <a:solidFill>
+                  <a:schemeClr val="bg1"/>
+                </a:solidFill>
+                <a:latin typeface="Courier New" panose="02070309020205020404" pitchFamily="49" charset="0"/>
+                <a:cs typeface="Courier New" panose="02070309020205020404" pitchFamily="49" charset="0"/>
+              </a:rPr>
+              <a:t>SiliconDriver</a:t>
+            </a:r>
+            <a:r>
+              <a:rPr lang="en-GB" sz="1000" dirty="0">
+                <a:solidFill>
+                  <a:schemeClr val="bg1"/>
+                </a:solidFill>
+                <a:latin typeface="Courier New" panose="02070309020205020404" pitchFamily="49" charset="0"/>
+                <a:cs typeface="Courier New" panose="02070309020205020404" pitchFamily="49" charset="0"/>
+              </a:rPr>
+              <a:t> | Harvesting mask for chip 1 is 0x204 (NOC0: 0x204, simulated harvesting mask: 0x0). (cluster.cpp:295)</a:t>
+            </a:r>
+          </a:p>
+          <a:p>
+            <a:r>
+              <a:rPr lang="en-GB" sz="1000" dirty="0">
+                <a:solidFill>
+                  <a:schemeClr val="bg1"/>
+                </a:solidFill>
+                <a:latin typeface="Courier New" panose="02070309020205020404" pitchFamily="49" charset="0"/>
+                <a:cs typeface="Courier New" panose="02070309020205020404" pitchFamily="49" charset="0"/>
+              </a:rPr>
+              <a:t>2025-09-01 18:38:54.702 | info     |   </a:t>
+            </a:r>
+            <a:r>
+              <a:rPr lang="en-GB" sz="1000" dirty="0" err="1">
+                <a:solidFill>
+                  <a:schemeClr val="bg1"/>
+                </a:solidFill>
+                <a:latin typeface="Courier New" panose="02070309020205020404" pitchFamily="49" charset="0"/>
+                <a:cs typeface="Courier New" panose="02070309020205020404" pitchFamily="49" charset="0"/>
+              </a:rPr>
+              <a:t>SiliconDriver</a:t>
+            </a:r>
+            <a:r>
+              <a:rPr lang="en-GB" sz="1000" dirty="0">
+                <a:solidFill>
+                  <a:schemeClr val="bg1"/>
+                </a:solidFill>
+                <a:latin typeface="Courier New" panose="02070309020205020404" pitchFamily="49" charset="0"/>
+                <a:cs typeface="Courier New" panose="02070309020205020404" pitchFamily="49" charset="0"/>
+              </a:rPr>
+              <a:t> | Opening local chip ids/</a:t>
+            </a:r>
+            <a:r>
+              <a:rPr lang="en-GB" sz="1000" dirty="0" err="1">
+                <a:solidFill>
+                  <a:schemeClr val="bg1"/>
+                </a:solidFill>
+                <a:latin typeface="Courier New" panose="02070309020205020404" pitchFamily="49" charset="0"/>
+                <a:cs typeface="Courier New" panose="02070309020205020404" pitchFamily="49" charset="0"/>
+              </a:rPr>
+              <a:t>pci</a:t>
+            </a:r>
+            <a:r>
+              <a:rPr lang="en-GB" sz="1000" dirty="0">
+                <a:solidFill>
+                  <a:schemeClr val="bg1"/>
+                </a:solidFill>
+                <a:latin typeface="Courier New" panose="02070309020205020404" pitchFamily="49" charset="0"/>
+                <a:cs typeface="Courier New" panose="02070309020205020404" pitchFamily="49" charset="0"/>
+              </a:rPr>
+              <a:t> ids: {0}/[0] and remote chip ids {1} (cluster.cpp:157)</a:t>
+            </a:r>
+          </a:p>
+          <a:p>
+            <a:r>
+              <a:rPr lang="en-GB" sz="1000" dirty="0">
+                <a:solidFill>
+                  <a:schemeClr val="bg1"/>
+                </a:solidFill>
+                <a:latin typeface="Courier New" panose="02070309020205020404" pitchFamily="49" charset="0"/>
+                <a:cs typeface="Courier New" panose="02070309020205020404" pitchFamily="49" charset="0"/>
+              </a:rPr>
+              <a:t>2025-09-01 18:38:54.705 | info     |   </a:t>
+            </a:r>
+            <a:r>
+              <a:rPr lang="en-GB" sz="1000" dirty="0" err="1">
+                <a:solidFill>
+                  <a:schemeClr val="bg1"/>
+                </a:solidFill>
+                <a:latin typeface="Courier New" panose="02070309020205020404" pitchFamily="49" charset="0"/>
+                <a:cs typeface="Courier New" panose="02070309020205020404" pitchFamily="49" charset="0"/>
+              </a:rPr>
+              <a:t>SiliconDriver</a:t>
+            </a:r>
+            <a:r>
+              <a:rPr lang="en-GB" sz="1000" dirty="0">
+                <a:solidFill>
+                  <a:schemeClr val="bg1"/>
+                </a:solidFill>
+                <a:latin typeface="Courier New" panose="02070309020205020404" pitchFamily="49" charset="0"/>
+                <a:cs typeface="Courier New" panose="02070309020205020404" pitchFamily="49" charset="0"/>
+              </a:rPr>
+              <a:t> | All devices in cluster running firmware version: 255.255.0 (cluster.cpp:138)</a:t>
+            </a:r>
+          </a:p>
+          <a:p>
+            <a:r>
+              <a:rPr lang="en-GB" sz="1000" dirty="0">
+                <a:solidFill>
+                  <a:schemeClr val="bg1"/>
+                </a:solidFill>
+                <a:latin typeface="Courier New" panose="02070309020205020404" pitchFamily="49" charset="0"/>
+                <a:cs typeface="Courier New" panose="02070309020205020404" pitchFamily="49" charset="0"/>
+              </a:rPr>
+              <a:t>2025-09-01 18:38:54.705 | info     |   </a:t>
+            </a:r>
+            <a:r>
+              <a:rPr lang="en-GB" sz="1000" dirty="0" err="1">
+                <a:solidFill>
+                  <a:schemeClr val="bg1"/>
+                </a:solidFill>
+                <a:latin typeface="Courier New" panose="02070309020205020404" pitchFamily="49" charset="0"/>
+                <a:cs typeface="Courier New" panose="02070309020205020404" pitchFamily="49" charset="0"/>
+              </a:rPr>
+              <a:t>SiliconDriver</a:t>
+            </a:r>
+            <a:r>
+              <a:rPr lang="en-GB" sz="1000" dirty="0">
+                <a:solidFill>
+                  <a:schemeClr val="bg1"/>
+                </a:solidFill>
+                <a:latin typeface="Courier New" panose="02070309020205020404" pitchFamily="49" charset="0"/>
+                <a:cs typeface="Courier New" panose="02070309020205020404" pitchFamily="49" charset="0"/>
+              </a:rPr>
+              <a:t> | Software version 6.0.0, Ethernet FW version 6.9.0 (Device 0) (cluster.cpp:935)</a:t>
+            </a:r>
+          </a:p>
+          <a:p>
+            <a:r>
+              <a:rPr lang="en-GB" sz="1000" dirty="0">
+                <a:solidFill>
+                  <a:schemeClr val="bg1"/>
+                </a:solidFill>
+                <a:latin typeface="Courier New" panose="02070309020205020404" pitchFamily="49" charset="0"/>
+                <a:cs typeface="Courier New" panose="02070309020205020404" pitchFamily="49" charset="0"/>
+              </a:rPr>
+              <a:t>2025-09-01 18:38:54.705 | info     |   </a:t>
+            </a:r>
+            <a:r>
+              <a:rPr lang="en-GB" sz="1000" dirty="0" err="1">
+                <a:solidFill>
+                  <a:schemeClr val="bg1"/>
+                </a:solidFill>
+                <a:latin typeface="Courier New" panose="02070309020205020404" pitchFamily="49" charset="0"/>
+                <a:cs typeface="Courier New" panose="02070309020205020404" pitchFamily="49" charset="0"/>
+              </a:rPr>
+              <a:t>SiliconDriver</a:t>
+            </a:r>
+            <a:r>
+              <a:rPr lang="en-GB" sz="1000" dirty="0">
+                <a:solidFill>
+                  <a:schemeClr val="bg1"/>
+                </a:solidFill>
+                <a:latin typeface="Courier New" panose="02070309020205020404" pitchFamily="49" charset="0"/>
+                <a:cs typeface="Courier New" panose="02070309020205020404" pitchFamily="49" charset="0"/>
+              </a:rPr>
+              <a:t> | Software version 6.0.0, Ethernet FW version 6.9.0 (Device 1) (cluster.cpp:935)</a:t>
+            </a:r>
+          </a:p>
+          <a:p>
+            <a:r>
+              <a:rPr lang="en-GB" sz="1000" dirty="0">
+                <a:solidFill>
+                  <a:schemeClr val="bg1"/>
+                </a:solidFill>
+                <a:latin typeface="Courier New" panose="02070309020205020404" pitchFamily="49" charset="0"/>
+                <a:cs typeface="Courier New" panose="02070309020205020404" pitchFamily="49" charset="0"/>
+              </a:rPr>
+              <a:t>Completed successfully on the device, with 100 elements</a:t>
+            </a:r>
+          </a:p>
+          <a:p>
+            <a:r>
+              <a:rPr lang="en-GB" sz="1000" dirty="0">
+                <a:solidFill>
+                  <a:schemeClr val="bg1"/>
+                </a:solidFill>
+                <a:latin typeface="Courier New" panose="02070309020205020404" pitchFamily="49" charset="0"/>
+                <a:cs typeface="Courier New" panose="02070309020205020404" pitchFamily="49" charset="0"/>
+              </a:rPr>
+              <a:t>2025-09-01 18:38:58.053 | info     |          Device | Closing user mode device drivers (tt_cluster.cpp:383)</a:t>
+            </a:r>
+          </a:p>
+        </p:txBody>
+      </p:sp>
+    </p:spTree>
+    <p:extLst>
+      <p:ext uri="{BB962C8B-B14F-4D97-AF65-F5344CB8AC3E}">
+        <p14:creationId xmlns:p14="http://schemas.microsoft.com/office/powerpoint/2010/main" val="1659788235"/>
+      </p:ext>
+    </p:extLst>
+  </p:cSld>
+  <p:clrMapOvr>
+    <a:masterClrMapping/>
+  </p:clrMapOvr>
+</p:sld>
+</file>
+
+<file path=ppt/slides/slide16.xml><?xml version="1.0" encoding="utf-8"?>
+<p:sld xmlns:a="http://schemas.openxmlformats.org/drawingml/2006/main" xmlns:r="http://schemas.openxmlformats.org/officeDocument/2006/relationships" xmlns:p="http://schemas.openxmlformats.org/presentationml/2006/main">
+  <p:cSld>
+    <p:spTree>
+      <p:nvGrpSpPr>
+        <p:cNvPr id="1" name=""/>
+        <p:cNvGrpSpPr/>
+        <p:nvPr/>
+      </p:nvGrpSpPr>
+      <p:grpSpPr>
+        <a:xfrm>
+          <a:off x="0" y="0"/>
+          <a:ext cx="0" cy="0"/>
+          <a:chOff x="0" y="0"/>
+          <a:chExt cx="0" cy="0"/>
+        </a:xfrm>
+      </p:grpSpPr>
+      <p:sp>
+        <p:nvSpPr>
+          <p:cNvPr id="2" name="Title 1">
+            <a:extLst>
+              <a:ext uri="{FF2B5EF4-FFF2-40B4-BE49-F238E27FC236}">
+                <a16:creationId xmlns:a16="http://schemas.microsoft.com/office/drawing/2014/main" id="{EB0C3ACD-8CB4-EE70-3E5B-49DFB411D57E}"/>
+              </a:ext>
+            </a:extLst>
+          </p:cNvPr>
+          <p:cNvSpPr>
+            <a:spLocks noGrp="1"/>
+          </p:cNvSpPr>
+          <p:nvPr>
+            <p:ph type="title"/>
+          </p:nvPr>
+        </p:nvSpPr>
+        <p:spPr/>
+        <p:txBody>
+          <a:bodyPr/>
+          <a:lstStyle/>
+          <a:p>
+            <a:r>
+              <a:rPr lang="en-GB" dirty="0"/>
+              <a:t>Next steps: Getting hands on</a:t>
+            </a:r>
+          </a:p>
+        </p:txBody>
+      </p:sp>
+      <p:sp>
+        <p:nvSpPr>
+          <p:cNvPr id="3" name="Content Placeholder 2">
+            <a:extLst>
+              <a:ext uri="{FF2B5EF4-FFF2-40B4-BE49-F238E27FC236}">
+                <a16:creationId xmlns:a16="http://schemas.microsoft.com/office/drawing/2014/main" id="{5CFFE9BD-5A6F-ED31-9FEF-851A5D600EBB}"/>
+              </a:ext>
+            </a:extLst>
+          </p:cNvPr>
+          <p:cNvSpPr>
+            <a:spLocks noGrp="1"/>
+          </p:cNvSpPr>
+          <p:nvPr>
+            <p:ph idx="1"/>
+          </p:nvPr>
+        </p:nvSpPr>
+        <p:spPr/>
+        <p:txBody>
+          <a:bodyPr/>
+          <a:lstStyle/>
+          <a:p>
+            <a:r>
+              <a:rPr lang="en-GB" dirty="0"/>
               <a:t>We will get you logged into the </a:t>
             </a:r>
             <a:r>
@@ -6801,7 +7941,7 @@
             </a:r>
             <a:r>
               <a:rPr lang="en-GB" dirty="0"/>
-              <a:t> machine that is in the RISC-V testbed</a:t>
+              <a:t> host that is in the RISC-V testbed</a:t>
             </a:r>
           </a:p>
           <a:p>
@@ -6875,6 +8015,62 @@
             <a:r>
               <a:rPr lang="en-GB" dirty="0"/>
               <a:t>Circular buffers between RISC-V baby cores to enable communication of data between them</a:t>
+            </a:r>
+          </a:p>
+        </p:txBody>
+      </p:sp>
+      <p:sp>
+        <p:nvSpPr>
+          <p:cNvPr id="4" name="TextBox 3">
+            <a:extLst>
+              <a:ext uri="{FF2B5EF4-FFF2-40B4-BE49-F238E27FC236}">
+                <a16:creationId xmlns:a16="http://schemas.microsoft.com/office/drawing/2014/main" id="{6991A7A4-418F-DD56-FDB9-28531A5B0030}"/>
+              </a:ext>
+            </a:extLst>
+          </p:cNvPr>
+          <p:cNvSpPr txBox="1"/>
+          <p:nvPr/>
+        </p:nvSpPr>
+        <p:spPr>
+          <a:xfrm>
+            <a:off x="911424" y="6165304"/>
+            <a:ext cx="10801200" cy="646331"/>
+          </a:xfrm>
+          <a:prstGeom prst="rect">
+            <a:avLst/>
+          </a:prstGeom>
+          <a:noFill/>
+        </p:spPr>
+        <p:txBody>
+          <a:bodyPr wrap="square" rtlCol="0">
+            <a:spAutoFit/>
+          </a:bodyPr>
+          <a:lstStyle/>
+          <a:p>
+            <a:pPr algn="ctr"/>
+            <a:r>
+              <a:rPr lang="en-GB" i="1" dirty="0">
+                <a:solidFill>
+                  <a:srgbClr val="0070C0"/>
+                </a:solidFill>
+              </a:rPr>
+              <a:t>All </a:t>
+            </a:r>
+            <a:r>
+              <a:rPr lang="en-GB" i="1" dirty="0" err="1">
+                <a:solidFill>
+                  <a:srgbClr val="0070C0"/>
+                </a:solidFill>
+              </a:rPr>
+              <a:t>practicals</a:t>
+            </a:r>
+            <a:r>
+              <a:rPr lang="en-GB" i="1" dirty="0">
+                <a:solidFill>
+                  <a:srgbClr val="0070C0"/>
+                </a:solidFill>
+              </a:rPr>
+              <a:t> have the exercise itself with the readme walking you through the steps required. There is also a sample solution in-case you get stuck.</a:t>
             </a:r>
           </a:p>
         </p:txBody>

--- a/lectures/src/SDK-data-movement.pptx
+++ b/lectures/src/SDK-data-movement.pptx
@@ -212,7 +212,7 @@
           <a:p>
             <a:fld id="{237A3326-6BE8-4DE2-A526-66D6DC5DC342}" type="datetimeFigureOut">
               <a:rPr lang="en-GB" smtClean="0"/>
-              <a:t>01/09/2025</a:t>
+              <a:t>02/09/2025</a:t>
             </a:fld>
             <a:endParaRPr lang="en-GB"/>
           </a:p>
@@ -389,7 +389,7 @@
           <a:p>
             <a:fld id="{198E9702-0021-4473-93B9-41638846F4C4}" type="datetimeFigureOut">
               <a:rPr lang="en-GB" smtClean="0"/>
-              <a:t>01/09/2025</a:t>
+              <a:t>02/09/2025</a:t>
             </a:fld>
             <a:endParaRPr lang="en-GB"/>
           </a:p>
@@ -985,7 +985,7 @@
           <a:p>
             <a:fld id="{B1836D41-3C4D-1D49-AA54-4231464E6415}" type="datetimeFigureOut">
               <a:rPr lang="en-US" smtClean="0"/>
-              <a:t>9/1/2025</a:t>
+              <a:t>9/2/2025</a:t>
             </a:fld>
             <a:endParaRPr lang="en-US"/>
           </a:p>
@@ -1189,7 +1189,7 @@
           <a:p>
             <a:fld id="{B1836D41-3C4D-1D49-AA54-4231464E6415}" type="datetimeFigureOut">
               <a:rPr lang="en-US" smtClean="0"/>
-              <a:t>9/1/2025</a:t>
+              <a:t>9/2/2025</a:t>
             </a:fld>
             <a:endParaRPr lang="en-US"/>
           </a:p>
@@ -1370,7 +1370,7 @@
           <a:p>
             <a:fld id="{B1836D41-3C4D-1D49-AA54-4231464E6415}" type="datetimeFigureOut">
               <a:rPr lang="en-US" smtClean="0"/>
-              <a:t>9/1/2025</a:t>
+              <a:t>9/2/2025</a:t>
             </a:fld>
             <a:endParaRPr lang="en-US"/>
           </a:p>
@@ -1545,7 +1545,7 @@
           <a:p>
             <a:fld id="{B1836D41-3C4D-1D49-AA54-4231464E6415}" type="datetimeFigureOut">
               <a:rPr lang="en-US" smtClean="0"/>
-              <a:t>9/1/2025</a:t>
+              <a:t>9/2/2025</a:t>
             </a:fld>
             <a:endParaRPr lang="en-US"/>
           </a:p>
@@ -1793,7 +1793,7 @@
           <a:p>
             <a:fld id="{B1836D41-3C4D-1D49-AA54-4231464E6415}" type="datetimeFigureOut">
               <a:rPr lang="en-US" smtClean="0"/>
-              <a:t>9/1/2025</a:t>
+              <a:t>9/2/2025</a:t>
             </a:fld>
             <a:endParaRPr lang="en-US"/>
           </a:p>
@@ -2110,7 +2110,7 @@
           <a:p>
             <a:fld id="{B1836D41-3C4D-1D49-AA54-4231464E6415}" type="datetimeFigureOut">
               <a:rPr lang="en-US" smtClean="0"/>
-              <a:t>9/1/2025</a:t>
+              <a:t>9/2/2025</a:t>
             </a:fld>
             <a:endParaRPr lang="en-US"/>
           </a:p>
@@ -2576,7 +2576,7 @@
           <a:p>
             <a:fld id="{B1836D41-3C4D-1D49-AA54-4231464E6415}" type="datetimeFigureOut">
               <a:rPr lang="en-US" smtClean="0"/>
-              <a:t>9/1/2025</a:t>
+              <a:t>9/2/2025</a:t>
             </a:fld>
             <a:endParaRPr lang="en-US"/>
           </a:p>
@@ -2723,7 +2723,7 @@
           <a:p>
             <a:fld id="{B1836D41-3C4D-1D49-AA54-4231464E6415}" type="datetimeFigureOut">
               <a:rPr lang="en-US" smtClean="0"/>
-              <a:t>9/1/2025</a:t>
+              <a:t>9/2/2025</a:t>
             </a:fld>
             <a:endParaRPr lang="en-US"/>
           </a:p>
@@ -2813,7 +2813,7 @@
           <a:p>
             <a:fld id="{B1836D41-3C4D-1D49-AA54-4231464E6415}" type="datetimeFigureOut">
               <a:rPr lang="en-US" smtClean="0"/>
-              <a:t>9/1/2025</a:t>
+              <a:t>9/2/2025</a:t>
             </a:fld>
             <a:endParaRPr lang="en-US"/>
           </a:p>
@@ -3087,7 +3087,7 @@
           <a:p>
             <a:fld id="{B1836D41-3C4D-1D49-AA54-4231464E6415}" type="datetimeFigureOut">
               <a:rPr lang="en-US" smtClean="0"/>
-              <a:t>9/1/2025</a:t>
+              <a:t>9/2/2025</a:t>
             </a:fld>
             <a:endParaRPr lang="en-US"/>
           </a:p>
@@ -3392,7 +3392,7 @@
           <a:p>
             <a:fld id="{B1836D41-3C4D-1D49-AA54-4231464E6415}" type="datetimeFigureOut">
               <a:rPr lang="en-US" smtClean="0"/>
-              <a:t>9/1/2025</a:t>
+              <a:t>9/2/2025</a:t>
             </a:fld>
             <a:endParaRPr lang="en-US"/>
           </a:p>
@@ -3689,7 +3689,7 @@
           <a:p>
             <a:fld id="{B1836D41-3C4D-1D49-AA54-4231464E6415}" type="datetimeFigureOut">
               <a:rPr lang="en-US" smtClean="0"/>
-              <a:t>9/1/2025</a:t>
+              <a:t>9/2/2025</a:t>
             </a:fld>
             <a:endParaRPr lang="en-US"/>
           </a:p>
@@ -8941,7 +8941,7 @@
           <a:p>
             <a:r>
               <a:rPr lang="en-GB" dirty="0"/>
-              <a:t>There is 12GB of DDR-DRAM available on the Wormhole board</a:t>
+              <a:t>There is 24GB of GDDR6 DRAM available on the Wormhole board</a:t>
             </a:r>
           </a:p>
           <a:p>
@@ -9213,13 +9213,13 @@
         <p:spPr/>
         <p:txBody>
           <a:bodyPr>
-            <a:normAutofit fontScale="90000"/>
+            <a:normAutofit/>
           </a:bodyPr>
           <a:lstStyle/>
           <a:p>
             <a:r>
               <a:rPr lang="en-GB" dirty="0"/>
-              <a:t>Host: Transferring data between host and DDR-DRAM</a:t>
+              <a:t>Host: Transferring data between host and DRAM</a:t>
             </a:r>
           </a:p>
         </p:txBody>
